--- a/template.pptx
+++ b/template.pptx
@@ -1,19 +1,19 @@
 
 <file path=ppt/presentation.xml><?xml version="1.0" encoding="utf-8"?>
-<p:presentation xmlns:a="http://schemas.openxmlformats.org/drawingml/2006/main" xmlns:r="http://schemas.openxmlformats.org/officeDocument/2006/relationships" xmlns:p="http://schemas.openxmlformats.org/presentationml/2006/main" saveSubsetFonts="1">
+<p:presentation xmlns:a="http://schemas.openxmlformats.org/drawingml/2006/main" xmlns:r="http://schemas.openxmlformats.org/officeDocument/2006/relationships" xmlns:p="http://schemas.openxmlformats.org/presentationml/2006/main">
   <p:sldMasterIdLst>
-    <p:sldMasterId id="2147483678" r:id="rId1"/>
+    <p:sldMasterId id="2147483648" r:id="rId1"/>
   </p:sldMasterIdLst>
   <p:notesMasterIdLst>
-    <p:notesMasterId r:id="rId3"/>
+    <p:notesMasterId r:id="rId4"/>
   </p:notesMasterIdLst>
   <p:handoutMasterIdLst>
-    <p:handoutMasterId r:id="rId4"/>
+    <p:handoutMasterId r:id="rId5"/>
   </p:handoutMasterIdLst>
   <p:sldIdLst>
-    <p:sldId id="256" r:id="rId2"/>
+    <p:sldId id="256" r:id="rId3"/>
   </p:sldIdLst>
-  <p:sldSz cx="9144000" cy="5715000" type="screen16x10"/>
+  <p:sldSz cx="12189460" cy="6858000"/>
   <p:notesSz cx="9144000" cy="6858000"/>
   <p:defaultTextStyle>
     <a:defPPr>
@@ -110,36 +110,6 @@
       </a:defRPr>
     </a:lvl9pPr>
   </p:defaultTextStyle>
-  <p:extLst>
-    <p:ext uri="{EFAFB233-063F-42B5-8137-9DF3F51BA10A}">
-      <p15:sldGuideLst xmlns:p15="http://schemas.microsoft.com/office/powerpoint/2012/main">
-        <p15:guide id="1" orient="horz" pos="1800" userDrawn="1">
-          <p15:clr>
-            <a:srgbClr val="A4A3A4"/>
-          </p15:clr>
-        </p15:guide>
-        <p15:guide id="2" pos="2880" userDrawn="1">
-          <p15:clr>
-            <a:srgbClr val="A4A3A4"/>
-          </p15:clr>
-        </p15:guide>
-      </p15:sldGuideLst>
-    </p:ext>
-    <p:ext uri="{2D200454-40CA-4A62-9FC3-DE9A4176ACB9}">
-      <p15:notesGuideLst xmlns:p15="http://schemas.microsoft.com/office/powerpoint/2012/main">
-        <p15:guide id="1" orient="horz" pos="2160">
-          <p15:clr>
-            <a:srgbClr val="A4A3A4"/>
-          </p15:clr>
-        </p15:guide>
-        <p15:guide id="2" pos="2880">
-          <p15:clr>
-            <a:srgbClr val="A4A3A4"/>
-          </p15:clr>
-        </p15:guide>
-      </p15:notesGuideLst>
-    </p:ext>
-  </p:extLst>
 </p:presentation>
 </file>
 
@@ -225,7 +195,6 @@
           <a:p>
             <a:fld id="{0ABAD0EA-A85A-4CC3-87AD-A63C5AC0C575}" type="datetimeFigureOut">
               <a:rPr lang="es-AR" smtClean="0"/>
-              <a:t>14/10/2018</a:t>
             </a:fld>
             <a:endParaRPr lang="es-AR"/>
           </a:p>
@@ -291,7 +260,6 @@
           <a:p>
             <a:fld id="{DA5AFF8A-FD4B-4F25-9E62-1B270A15F0C8}" type="slidenum">
               <a:rPr lang="es-AR" smtClean="0"/>
-              <a:t>‹#›</a:t>
             </a:fld>
             <a:endParaRPr lang="es-AR"/>
           </a:p>
@@ -337,8 +305,8 @@
         </p:nvSpPr>
         <p:spPr>
           <a:xfrm>
-            <a:off x="828675" y="263525"/>
-            <a:ext cx="7486650" cy="4678363"/>
+            <a:off x="414274" y="263525"/>
+            <a:ext cx="8315453" cy="4678363"/>
           </a:xfrm>
           <a:prstGeom prst="rect">
             <a:avLst/>
@@ -386,6 +354,7 @@
               <a:rPr lang="en-US"/>
               <a:t>Click to edit Master text styles</a:t>
             </a:r>
+            <a:endParaRPr lang="en-US"/>
           </a:p>
           <a:p>
             <a:pPr lvl="1"/>
@@ -393,6 +362,7 @@
               <a:rPr lang="en-US"/>
               <a:t>Second level</a:t>
             </a:r>
+            <a:endParaRPr lang="en-US"/>
           </a:p>
           <a:p>
             <a:pPr lvl="2"/>
@@ -400,6 +370,7 @@
               <a:rPr lang="en-US"/>
               <a:t>Third level</a:t>
             </a:r>
+            <a:endParaRPr lang="en-US"/>
           </a:p>
           <a:p>
             <a:pPr lvl="3"/>
@@ -407,6 +378,7 @@
               <a:rPr lang="en-US"/>
               <a:t>Fourth level</a:t>
             </a:r>
+            <a:endParaRPr lang="en-US"/>
           </a:p>
           <a:p>
             <a:pPr lvl="4"/>
@@ -447,7 +419,6 @@
           <a:p>
             <a:fld id="{1E238065-DE38-4E1F-8FC6-4F9459B13AE4}" type="slidenum">
               <a:rPr lang="en-GB" smtClean="0"/>
-              <a:t>‹#›</a:t>
             </a:fld>
             <a:endParaRPr lang="en-GB"/>
           </a:p>
@@ -580,15 +551,15 @@
         </p:nvSpPr>
         <p:spPr>
           <a:xfrm>
-            <a:off x="1143000" y="935302"/>
-            <a:ext cx="6858000" cy="1989667"/>
+            <a:off x="1523700" y="1122362"/>
+            <a:ext cx="9142200" cy="2387600"/>
           </a:xfrm>
         </p:spPr>
         <p:txBody>
           <a:bodyPr anchor="b"/>
           <a:lstStyle>
             <a:lvl1pPr algn="ctr">
-              <a:defRPr sz="4500"/>
+              <a:defRPr sz="5400"/>
             </a:lvl1pPr>
           </a:lstStyle>
           <a:p>
@@ -612,8 +583,8 @@
         </p:nvSpPr>
         <p:spPr>
           <a:xfrm>
-            <a:off x="1143000" y="3001698"/>
-            <a:ext cx="6858000" cy="1379802"/>
+            <a:off x="1523700" y="3602038"/>
+            <a:ext cx="9142200" cy="1655762"/>
           </a:xfrm>
         </p:spPr>
         <p:txBody>
@@ -621,39 +592,39 @@
           <a:lstStyle>
             <a:lvl1pPr marL="0" indent="0" algn="ctr">
               <a:buNone/>
+              <a:defRPr sz="2160"/>
+            </a:lvl1pPr>
+            <a:lvl2pPr marL="411480" indent="0" algn="ctr">
+              <a:buNone/>
               <a:defRPr sz="1800"/>
-            </a:lvl1pPr>
-            <a:lvl2pPr marL="342900" indent="0" algn="ctr">
-              <a:buNone/>
-              <a:defRPr sz="1500"/>
             </a:lvl2pPr>
-            <a:lvl3pPr marL="685800" indent="0" algn="ctr">
-              <a:buNone/>
-              <a:defRPr sz="1350"/>
+            <a:lvl3pPr marL="822960" indent="0" algn="ctr">
+              <a:buNone/>
+              <a:defRPr sz="1620"/>
             </a:lvl3pPr>
-            <a:lvl4pPr marL="1028700" indent="0" algn="ctr">
-              <a:buNone/>
-              <a:defRPr sz="1200"/>
+            <a:lvl4pPr marL="1234440" indent="0" algn="ctr">
+              <a:buNone/>
+              <a:defRPr sz="1440"/>
             </a:lvl4pPr>
-            <a:lvl5pPr marL="1371600" indent="0" algn="ctr">
-              <a:buNone/>
-              <a:defRPr sz="1200"/>
+            <a:lvl5pPr marL="1645920" indent="0" algn="ctr">
+              <a:buNone/>
+              <a:defRPr sz="1440"/>
             </a:lvl5pPr>
-            <a:lvl6pPr marL="1714500" indent="0" algn="ctr">
-              <a:buNone/>
-              <a:defRPr sz="1200"/>
+            <a:lvl6pPr marL="2057400" indent="0" algn="ctr">
+              <a:buNone/>
+              <a:defRPr sz="1440"/>
             </a:lvl6pPr>
-            <a:lvl7pPr marL="2057400" indent="0" algn="ctr">
-              <a:buNone/>
-              <a:defRPr sz="1200"/>
+            <a:lvl7pPr marL="2468880" indent="0" algn="ctr">
+              <a:buNone/>
+              <a:defRPr sz="1440"/>
             </a:lvl7pPr>
-            <a:lvl8pPr marL="2400300" indent="0" algn="ctr">
-              <a:buNone/>
-              <a:defRPr sz="1200"/>
+            <a:lvl8pPr marL="2880360" indent="0" algn="ctr">
+              <a:buNone/>
+              <a:defRPr sz="1440"/>
             </a:lvl8pPr>
-            <a:lvl9pPr marL="2743200" indent="0" algn="ctr">
-              <a:buNone/>
-              <a:defRPr sz="1200"/>
+            <a:lvl9pPr marL="3291840" indent="0" algn="ctr">
+              <a:buNone/>
+              <a:defRPr sz="1440"/>
             </a:lvl9pPr>
           </a:lstStyle>
           <a:p>
@@ -666,11 +637,6 @@
         </p:txBody>
       </p:sp>
     </p:spTree>
-    <p:extLst>
-      <p:ext uri="{BB962C8B-B14F-4D97-AF65-F5344CB8AC3E}">
-        <p14:creationId xmlns:p14="http://schemas.microsoft.com/office/powerpoint/2010/main" val="1786660217"/>
-      </p:ext>
-    </p:extLst>
   </p:cSld>
   <p:clrMapOvr>
     <a:masterClrMapping/>
@@ -738,6 +704,7 @@
               <a:rPr lang="en-US"/>
               <a:t>Edit Master text styles</a:t>
             </a:r>
+            <a:endParaRPr lang="en-US"/>
           </a:p>
           <a:p>
             <a:pPr lvl="1"/>
@@ -745,6 +712,7 @@
               <a:rPr lang="en-US"/>
               <a:t>Second level</a:t>
             </a:r>
+            <a:endParaRPr lang="en-US"/>
           </a:p>
           <a:p>
             <a:pPr lvl="2"/>
@@ -752,6 +720,7 @@
               <a:rPr lang="en-US"/>
               <a:t>Third level</a:t>
             </a:r>
+            <a:endParaRPr lang="en-US"/>
           </a:p>
           <a:p>
             <a:pPr lvl="3"/>
@@ -759,6 +728,7 @@
               <a:rPr lang="en-US"/>
               <a:t>Fourth level</a:t>
             </a:r>
+            <a:endParaRPr lang="en-US"/>
           </a:p>
           <a:p>
             <a:pPr lvl="4"/>
@@ -782,8 +752,8 @@
         </p:nvSpPr>
         <p:spPr>
           <a:xfrm>
-            <a:off x="628650" y="5296959"/>
-            <a:ext cx="2057400" cy="304271"/>
+            <a:off x="838035" y="6356351"/>
+            <a:ext cx="2742660" cy="365125"/>
           </a:xfrm>
           <a:prstGeom prst="rect">
             <a:avLst/>
@@ -795,7 +765,6 @@
           <a:p>
             <a:fld id="{5FE5D985-BC1F-4337-995C-A08BC27D9752}" type="datetimeFigureOut">
               <a:rPr lang="es-AR" smtClean="0"/>
-              <a:t>14/10/2018</a:t>
             </a:fld>
             <a:endParaRPr lang="es-AR"/>
           </a:p>
@@ -813,8 +782,8 @@
         </p:nvSpPr>
         <p:spPr>
           <a:xfrm>
-            <a:off x="3028950" y="5296959"/>
-            <a:ext cx="3086100" cy="304271"/>
+            <a:off x="4037805" y="6356351"/>
+            <a:ext cx="4113990" cy="365125"/>
           </a:xfrm>
           <a:prstGeom prst="rect">
             <a:avLst/>
@@ -840,8 +809,8 @@
         </p:nvSpPr>
         <p:spPr>
           <a:xfrm>
-            <a:off x="6457950" y="5296959"/>
-            <a:ext cx="2057400" cy="304271"/>
+            <a:off x="8608905" y="6356351"/>
+            <a:ext cx="2742660" cy="365125"/>
           </a:xfrm>
           <a:prstGeom prst="rect">
             <a:avLst/>
@@ -853,18 +822,12 @@
           <a:p>
             <a:fld id="{978E83EA-3671-4475-93F4-CFBDCD4C1007}" type="slidenum">
               <a:rPr lang="es-AR" smtClean="0"/>
-              <a:t>‹#›</a:t>
             </a:fld>
             <a:endParaRPr lang="es-AR"/>
           </a:p>
         </p:txBody>
       </p:sp>
     </p:spTree>
-    <p:extLst>
-      <p:ext uri="{BB962C8B-B14F-4D97-AF65-F5344CB8AC3E}">
-        <p14:creationId xmlns:p14="http://schemas.microsoft.com/office/powerpoint/2010/main" val="2291224854"/>
-      </p:ext>
-    </p:extLst>
   </p:cSld>
   <p:clrMapOvr>
     <a:masterClrMapping/>
@@ -901,8 +864,8 @@
         </p:nvSpPr>
         <p:spPr>
           <a:xfrm>
-            <a:off x="6543675" y="304271"/>
-            <a:ext cx="1971675" cy="4843198"/>
+            <a:off x="8723183" y="365125"/>
+            <a:ext cx="2628383" cy="5811838"/>
           </a:xfrm>
         </p:spPr>
         <p:txBody>
@@ -929,8 +892,8 @@
         </p:nvSpPr>
         <p:spPr>
           <a:xfrm>
-            <a:off x="628650" y="304271"/>
-            <a:ext cx="5800725" cy="4843198"/>
+            <a:off x="838035" y="365125"/>
+            <a:ext cx="7732778" cy="5811838"/>
           </a:xfrm>
         </p:spPr>
         <p:txBody>
@@ -942,6 +905,7 @@
               <a:rPr lang="en-US"/>
               <a:t>Edit Master text styles</a:t>
             </a:r>
+            <a:endParaRPr lang="en-US"/>
           </a:p>
           <a:p>
             <a:pPr lvl="1"/>
@@ -949,6 +913,7 @@
               <a:rPr lang="en-US"/>
               <a:t>Second level</a:t>
             </a:r>
+            <a:endParaRPr lang="en-US"/>
           </a:p>
           <a:p>
             <a:pPr lvl="2"/>
@@ -956,6 +921,7 @@
               <a:rPr lang="en-US"/>
               <a:t>Third level</a:t>
             </a:r>
+            <a:endParaRPr lang="en-US"/>
           </a:p>
           <a:p>
             <a:pPr lvl="3"/>
@@ -963,6 +929,7 @@
               <a:rPr lang="en-US"/>
               <a:t>Fourth level</a:t>
             </a:r>
+            <a:endParaRPr lang="en-US"/>
           </a:p>
           <a:p>
             <a:pPr lvl="4"/>
@@ -986,8 +953,8 @@
         </p:nvSpPr>
         <p:spPr>
           <a:xfrm>
-            <a:off x="628650" y="5296959"/>
-            <a:ext cx="2057400" cy="304271"/>
+            <a:off x="838035" y="6356351"/>
+            <a:ext cx="2742660" cy="365125"/>
           </a:xfrm>
           <a:prstGeom prst="rect">
             <a:avLst/>
@@ -999,7 +966,6 @@
           <a:p>
             <a:fld id="{5FE5D985-BC1F-4337-995C-A08BC27D9752}" type="datetimeFigureOut">
               <a:rPr lang="es-AR" smtClean="0"/>
-              <a:t>14/10/2018</a:t>
             </a:fld>
             <a:endParaRPr lang="es-AR"/>
           </a:p>
@@ -1017,8 +983,8 @@
         </p:nvSpPr>
         <p:spPr>
           <a:xfrm>
-            <a:off x="3028950" y="5296959"/>
-            <a:ext cx="3086100" cy="304271"/>
+            <a:off x="4037805" y="6356351"/>
+            <a:ext cx="4113990" cy="365125"/>
           </a:xfrm>
           <a:prstGeom prst="rect">
             <a:avLst/>
@@ -1044,8 +1010,8 @@
         </p:nvSpPr>
         <p:spPr>
           <a:xfrm>
-            <a:off x="6457950" y="5296959"/>
-            <a:ext cx="2057400" cy="304271"/>
+            <a:off x="8608905" y="6356351"/>
+            <a:ext cx="2742660" cy="365125"/>
           </a:xfrm>
           <a:prstGeom prst="rect">
             <a:avLst/>
@@ -1057,18 +1023,12 @@
           <a:p>
             <a:fld id="{978E83EA-3671-4475-93F4-CFBDCD4C1007}" type="slidenum">
               <a:rPr lang="es-AR" smtClean="0"/>
-              <a:t>‹#›</a:t>
             </a:fld>
             <a:endParaRPr lang="es-AR"/>
           </a:p>
         </p:txBody>
       </p:sp>
     </p:spTree>
-    <p:extLst>
-      <p:ext uri="{BB962C8B-B14F-4D97-AF65-F5344CB8AC3E}">
-        <p14:creationId xmlns:p14="http://schemas.microsoft.com/office/powerpoint/2010/main" val="4256953350"/>
-      </p:ext>
-    </p:extLst>
   </p:cSld>
   <p:clrMapOvr>
     <a:masterClrMapping/>
@@ -1095,13 +1055,7 @@
       </p:grpSpPr>
       <p:sp>
         <p:nvSpPr>
-          <p:cNvPr id="2" name="Title 1">
-            <a:extLst>
-              <a:ext uri="{FF2B5EF4-FFF2-40B4-BE49-F238E27FC236}">
-                <a16:creationId xmlns:a16="http://schemas.microsoft.com/office/drawing/2014/main" id="{ADC691CB-66F3-4618-BAE5-5E7A65ABE07E}"/>
-              </a:ext>
-            </a:extLst>
-          </p:cNvPr>
+          <p:cNvPr id="2" name="Title 1"/>
           <p:cNvSpPr>
             <a:spLocks noGrp="1"/>
           </p:cNvSpPr>
@@ -1111,15 +1065,15 @@
         </p:nvSpPr>
         <p:spPr>
           <a:xfrm>
-            <a:off x="648304" y="476433"/>
-            <a:ext cx="7886700" cy="300839"/>
+            <a:off x="864235" y="571720"/>
+            <a:ext cx="10513530" cy="361007"/>
           </a:xfrm>
         </p:spPr>
         <p:txBody>
           <a:bodyPr anchor="b"/>
           <a:lstStyle>
             <a:lvl1pPr>
-              <a:defRPr sz="5000"/>
+              <a:defRPr sz="6000"/>
             </a:lvl1pPr>
           </a:lstStyle>
           <a:p>
@@ -1127,18 +1081,13 @@
               <a:rPr lang="en-US"/>
               <a:t>Click to edit Master title style</a:t>
             </a:r>
-          </a:p>
-        </p:txBody>
-      </p:sp>
-      <p:sp>
-        <p:nvSpPr>
-          <p:cNvPr id="8" name="Picture Placeholder 7">
-            <a:extLst>
-              <a:ext uri="{FF2B5EF4-FFF2-40B4-BE49-F238E27FC236}">
-                <a16:creationId xmlns:a16="http://schemas.microsoft.com/office/drawing/2014/main" id="{7CF85070-6258-48B0-AC26-664D64DC190A}"/>
-              </a:ext>
-            </a:extLst>
-          </p:cNvPr>
+            <a:endParaRPr lang="en-US"/>
+          </a:p>
+        </p:txBody>
+      </p:sp>
+      <p:sp>
+        <p:nvSpPr>
+          <p:cNvPr id="8" name="Picture Placeholder 7"/>
           <p:cNvSpPr>
             <a:spLocks noGrp="1"/>
           </p:cNvSpPr>
@@ -1148,8 +1097,8 @@
         </p:nvSpPr>
         <p:spPr>
           <a:xfrm>
-            <a:off x="431800" y="936447"/>
-            <a:ext cx="8280400" cy="3521508"/>
+            <a:off x="575620" y="1123736"/>
+            <a:ext cx="11038360" cy="4225810"/>
           </a:xfrm>
         </p:spPr>
         <p:txBody>
@@ -1162,13 +1111,7 @@
       </p:sp>
       <p:sp>
         <p:nvSpPr>
-          <p:cNvPr id="10" name="Text Placeholder 9">
-            <a:extLst>
-              <a:ext uri="{FF2B5EF4-FFF2-40B4-BE49-F238E27FC236}">
-                <a16:creationId xmlns:a16="http://schemas.microsoft.com/office/drawing/2014/main" id="{B0C90D25-ABA8-42FA-94B9-3158732F26F4}"/>
-              </a:ext>
-            </a:extLst>
-          </p:cNvPr>
+          <p:cNvPr id="10" name="Text Placeholder 9"/>
           <p:cNvSpPr>
             <a:spLocks noGrp="1"/>
           </p:cNvSpPr>
@@ -1178,8 +1121,8 @@
         </p:nvSpPr>
         <p:spPr>
           <a:xfrm>
-            <a:off x="431800" y="4937125"/>
-            <a:ext cx="8280400" cy="479778"/>
+            <a:off x="575620" y="5924550"/>
+            <a:ext cx="11038360" cy="575734"/>
           </a:xfrm>
         </p:spPr>
         <p:txBody>
@@ -1188,19 +1131,19 @@
           </a:bodyPr>
           <a:lstStyle>
             <a:lvl1pPr>
-              <a:defRPr sz="1222"/>
+              <a:defRPr sz="1465"/>
             </a:lvl1pPr>
             <a:lvl2pPr>
-              <a:defRPr sz="1222"/>
+              <a:defRPr sz="1465"/>
             </a:lvl2pPr>
             <a:lvl3pPr>
-              <a:defRPr sz="1222"/>
+              <a:defRPr sz="1465"/>
             </a:lvl3pPr>
             <a:lvl4pPr>
-              <a:defRPr sz="1222"/>
+              <a:defRPr sz="1465"/>
             </a:lvl4pPr>
             <a:lvl5pPr>
-              <a:defRPr sz="1222"/>
+              <a:defRPr sz="1465"/>
             </a:lvl5pPr>
           </a:lstStyle>
           <a:p>
@@ -1209,6 +1152,7 @@
               <a:rPr lang="en-US"/>
               <a:t>Edit Master text styles</a:t>
             </a:r>
+            <a:endParaRPr lang="en-US"/>
           </a:p>
           <a:p>
             <a:pPr lvl="1"/>
@@ -1216,6 +1160,7 @@
               <a:rPr lang="en-US"/>
               <a:t>Second level</a:t>
             </a:r>
+            <a:endParaRPr lang="en-US"/>
           </a:p>
           <a:p>
             <a:pPr lvl="2"/>
@@ -1223,6 +1168,7 @@
               <a:rPr lang="en-US"/>
               <a:t>Third level</a:t>
             </a:r>
+            <a:endParaRPr lang="en-US"/>
           </a:p>
           <a:p>
             <a:pPr lvl="3"/>
@@ -1230,6 +1176,7 @@
               <a:rPr lang="en-US"/>
               <a:t>Fourth level</a:t>
             </a:r>
+            <a:endParaRPr lang="en-US"/>
           </a:p>
           <a:p>
             <a:pPr lvl="4"/>
@@ -1237,15 +1184,11 @@
               <a:rPr lang="en-US"/>
               <a:t>Fifth level</a:t>
             </a:r>
+            <a:endParaRPr lang="en-US"/>
           </a:p>
         </p:txBody>
       </p:sp>
     </p:spTree>
-    <p:extLst>
-      <p:ext uri="{BB962C8B-B14F-4D97-AF65-F5344CB8AC3E}">
-        <p14:creationId xmlns:p14="http://schemas.microsoft.com/office/powerpoint/2010/main" val="4168534071"/>
-      </p:ext>
-    </p:extLst>
   </p:cSld>
   <p:clrMapOvr>
     <a:masterClrMapping/>
@@ -1272,13 +1215,7 @@
       </p:grpSpPr>
       <p:sp>
         <p:nvSpPr>
-          <p:cNvPr id="2" name="Title 1">
-            <a:extLst>
-              <a:ext uri="{FF2B5EF4-FFF2-40B4-BE49-F238E27FC236}">
-                <a16:creationId xmlns:a16="http://schemas.microsoft.com/office/drawing/2014/main" id="{AACC7084-094F-490E-8378-E3A862E0BEB3}"/>
-              </a:ext>
-            </a:extLst>
-          </p:cNvPr>
+          <p:cNvPr id="2" name="Title 1"/>
           <p:cNvSpPr>
             <a:spLocks noGrp="1"/>
           </p:cNvSpPr>
@@ -1288,8 +1225,8 @@
         </p:nvSpPr>
         <p:spPr>
           <a:xfrm>
-            <a:off x="628650" y="304271"/>
-            <a:ext cx="7886700" cy="392989"/>
+            <a:off x="838035" y="365125"/>
+            <a:ext cx="10513530" cy="471587"/>
           </a:xfrm>
         </p:spPr>
         <p:txBody>
@@ -1300,15 +1237,11 @@
               <a:rPr lang="en-US"/>
               <a:t>Click to edit Master title style</a:t>
             </a:r>
+            <a:endParaRPr lang="en-US"/>
           </a:p>
         </p:txBody>
       </p:sp>
     </p:spTree>
-    <p:extLst>
-      <p:ext uri="{BB962C8B-B14F-4D97-AF65-F5344CB8AC3E}">
-        <p14:creationId xmlns:p14="http://schemas.microsoft.com/office/powerpoint/2010/main" val="2253876410"/>
-      </p:ext>
-    </p:extLst>
   </p:cSld>
   <p:clrMapOvr>
     <a:masterClrMapping/>
@@ -1345,8 +1278,8 @@
         </p:nvSpPr>
         <p:spPr>
           <a:xfrm>
-            <a:off x="251525" y="912184"/>
-            <a:ext cx="7375781" cy="665174"/>
+            <a:off x="335301" y="1094621"/>
+            <a:ext cx="9832439" cy="798209"/>
           </a:xfrm>
         </p:spPr>
         <p:txBody>
@@ -1355,7 +1288,7 @@
           </a:bodyPr>
           <a:lstStyle>
             <a:lvl1pPr algn="l">
-              <a:defRPr sz="4444" b="0" i="0" cap="small" baseline="0">
+              <a:defRPr sz="5335" b="0" i="0" cap="small" baseline="0">
                 <a:solidFill>
                   <a:schemeClr val="tx1"/>
                 </a:solidFill>
@@ -1368,6 +1301,7 @@
               <a:rPr lang="es-AR" dirty="0"/>
               <a:t>TÍTULO DE LA PRESENTACIÓN</a:t>
             </a:r>
+            <a:endParaRPr lang="es-AR" dirty="0"/>
           </a:p>
         </p:txBody>
       </p:sp>
@@ -1379,8 +1313,8 @@
         </p:nvSpPr>
         <p:spPr>
           <a:xfrm>
-            <a:off x="-38100" y="-30760"/>
-            <a:ext cx="9220214" cy="5778529"/>
+            <a:off x="-50790" y="-36912"/>
+            <a:ext cx="12291199" cy="6934235"/>
           </a:xfrm>
           <a:prstGeom prst="roundRect">
             <a:avLst>
@@ -1431,14 +1365,14 @@
         </p:nvSpPr>
         <p:spPr>
           <a:xfrm>
-            <a:off x="5796136" y="3737984"/>
-            <a:ext cx="2808312" cy="454949"/>
+            <a:off x="7726660" y="4485581"/>
+            <a:ext cx="3743679" cy="545939"/>
           </a:xfrm>
         </p:spPr>
         <p:txBody>
           <a:bodyPr/>
           <a:lstStyle>
-            <a:lvl1pPr marL="706" indent="0" algn="r">
+            <a:lvl1pPr marL="635" indent="0" algn="r">
               <a:buNone/>
               <a:defRPr>
                 <a:latin typeface="+mn-lt"/>
@@ -1458,15 +1392,13 @@
       <p:cxnSp>
         <p:nvCxnSpPr>
           <p:cNvPr id="14" name="Straight Connector 13"/>
-          <p:cNvCxnSpPr>
-            <a:cxnSpLocks/>
-          </p:cNvCxnSpPr>
+          <p:cNvCxnSpPr/>
           <p:nvPr userDrawn="1"/>
         </p:nvCxnSpPr>
         <p:spPr>
           <a:xfrm flipH="1">
-            <a:off x="5364088" y="4192936"/>
-            <a:ext cx="4104456" cy="1"/>
+            <a:off x="7150710" y="5031523"/>
+            <a:ext cx="5471531" cy="1"/>
           </a:xfrm>
           <a:prstGeom prst="line">
             <a:avLst/>
@@ -1495,15 +1427,13 @@
       <p:cxnSp>
         <p:nvCxnSpPr>
           <p:cNvPr id="9" name="Straight Connector 8"/>
-          <p:cNvCxnSpPr>
-            <a:cxnSpLocks/>
-          </p:cNvCxnSpPr>
+          <p:cNvCxnSpPr/>
           <p:nvPr userDrawn="1"/>
         </p:nvCxnSpPr>
         <p:spPr>
           <a:xfrm>
-            <a:off x="-540568" y="857281"/>
-            <a:ext cx="7200800" cy="1"/>
+            <a:off x="-720615" y="1028737"/>
+            <a:ext cx="9599177" cy="1"/>
           </a:xfrm>
           <a:prstGeom prst="line">
             <a:avLst/>
@@ -1567,8 +1497,8 @@
         </p:nvSpPr>
         <p:spPr>
           <a:xfrm>
-            <a:off x="-38100" y="-30760"/>
-            <a:ext cx="9220214" cy="5778529"/>
+            <a:off x="-50790" y="-36912"/>
+            <a:ext cx="12291199" cy="6934235"/>
           </a:xfrm>
           <a:prstGeom prst="roundRect">
             <a:avLst>
@@ -1610,15 +1540,13 @@
       <p:cxnSp>
         <p:nvCxnSpPr>
           <p:cNvPr id="7" name="Straight Connector 6"/>
-          <p:cNvCxnSpPr>
-            <a:cxnSpLocks/>
-          </p:cNvCxnSpPr>
+          <p:cNvCxnSpPr/>
           <p:nvPr userDrawn="1"/>
         </p:nvCxnSpPr>
         <p:spPr>
           <a:xfrm flipV="1">
-            <a:off x="-396552" y="857281"/>
-            <a:ext cx="5760640" cy="1"/>
+            <a:off x="-528632" y="1028737"/>
+            <a:ext cx="7679341" cy="1"/>
           </a:xfrm>
           <a:prstGeom prst="line">
             <a:avLst/>
@@ -1656,8 +1584,8 @@
         </p:nvSpPr>
         <p:spPr>
           <a:xfrm>
-            <a:off x="322068" y="217210"/>
-            <a:ext cx="5042025" cy="640071"/>
+            <a:off x="429339" y="260652"/>
+            <a:ext cx="6721377" cy="768085"/>
           </a:xfrm>
         </p:spPr>
         <p:txBody>
@@ -1665,9 +1593,9 @@
             <a:normAutofit/>
           </a:bodyPr>
           <a:lstStyle>
-            <a:lvl1pPr marL="706" indent="0">
-              <a:buNone/>
-              <a:defRPr sz="3556" cap="small" baseline="0">
+            <a:lvl1pPr marL="635" indent="0">
+              <a:buNone/>
+              <a:defRPr sz="4265" cap="small" baseline="0">
                 <a:latin typeface="Gotham Book" pitchFamily="50" charset="0"/>
               </a:defRPr>
             </a:lvl1pPr>
@@ -1678,6 +1606,7 @@
               <a:rPr lang="en-GB" dirty="0"/>
               <a:t>SUBTÍTULO</a:t>
             </a:r>
+            <a:endParaRPr lang="en-GB" dirty="0"/>
           </a:p>
         </p:txBody>
       </p:sp>
@@ -1714,8 +1643,8 @@
         </p:nvSpPr>
         <p:spPr>
           <a:xfrm>
-            <a:off x="-38100" y="-30760"/>
-            <a:ext cx="9220214" cy="5778529"/>
+            <a:off x="-50790" y="-36912"/>
+            <a:ext cx="12291199" cy="6934235"/>
           </a:xfrm>
           <a:prstGeom prst="roundRect">
             <a:avLst>
@@ -1792,8 +1721,8 @@
         </p:nvSpPr>
         <p:spPr>
           <a:xfrm>
-            <a:off x="-38100" y="-30760"/>
-            <a:ext cx="9220214" cy="5778529"/>
+            <a:off x="-50790" y="-36912"/>
+            <a:ext cx="12291199" cy="6934235"/>
           </a:xfrm>
           <a:prstGeom prst="roundRect">
             <a:avLst>
@@ -1835,15 +1764,13 @@
       <p:cxnSp>
         <p:nvCxnSpPr>
           <p:cNvPr id="7" name="Straight Connector 6"/>
-          <p:cNvCxnSpPr>
-            <a:cxnSpLocks/>
-          </p:cNvCxnSpPr>
+          <p:cNvCxnSpPr/>
           <p:nvPr userDrawn="1"/>
         </p:nvCxnSpPr>
         <p:spPr>
           <a:xfrm flipV="1">
-            <a:off x="-540568" y="857281"/>
-            <a:ext cx="5904656" cy="1"/>
+            <a:off x="-720615" y="1028737"/>
+            <a:ext cx="7871325" cy="1"/>
           </a:xfrm>
           <a:prstGeom prst="line">
             <a:avLst/>
@@ -1881,8 +1808,8 @@
         </p:nvSpPr>
         <p:spPr>
           <a:xfrm>
-            <a:off x="322068" y="217210"/>
-            <a:ext cx="5042025" cy="640071"/>
+            <a:off x="429339" y="260652"/>
+            <a:ext cx="6721377" cy="768085"/>
           </a:xfrm>
         </p:spPr>
         <p:txBody>
@@ -1890,11 +1817,11 @@
             <a:normAutofit/>
           </a:bodyPr>
           <a:lstStyle>
-            <a:lvl1pPr marL="706" indent="0">
-              <a:buNone/>
-              <a:defRPr sz="3556" cap="none" baseline="0">
-                <a:latin typeface="Fira Code" pitchFamily="49" charset="0"/>
-                <a:ea typeface="Fira Code" pitchFamily="49" charset="0"/>
+            <a:lvl1pPr marL="635" indent="0">
+              <a:buNone/>
+              <a:defRPr sz="4265" cap="none" baseline="0">
+                <a:latin typeface="Fira Code" panose="020B0609050000020004" pitchFamily="49" charset="0"/>
+                <a:ea typeface="Fira Code" panose="020B0609050000020004" pitchFamily="49" charset="0"/>
               </a:defRPr>
             </a:lvl1pPr>
           </a:lstStyle>
@@ -1908,6 +1835,7 @@
               <a:rPr lang="en-GB" dirty="0"/>
               <a:t>()</a:t>
             </a:r>
+            <a:endParaRPr lang="en-GB" dirty="0"/>
           </a:p>
         </p:txBody>
       </p:sp>
@@ -1952,8 +1880,8 @@
         </p:nvSpPr>
         <p:spPr>
           <a:xfrm>
-            <a:off x="-38100" y="-30760"/>
-            <a:ext cx="9220214" cy="5778529"/>
+            <a:off x="-50790" y="-36912"/>
+            <a:ext cx="12291199" cy="6934235"/>
           </a:xfrm>
           <a:prstGeom prst="roundRect">
             <a:avLst>
@@ -2025,8 +1953,8 @@
         </p:nvSpPr>
         <p:spPr>
           <a:xfrm>
-            <a:off x="-474354" y="-262891"/>
-            <a:ext cx="10081135" cy="1560449"/>
+            <a:off x="-632348" y="-315469"/>
+            <a:ext cx="13438868" cy="1872539"/>
           </a:xfrm>
           <a:prstGeom prst="rect">
             <a:avLst/>
@@ -2082,8 +2010,8 @@
         </p:nvSpPr>
         <p:spPr>
           <a:xfrm>
-            <a:off x="215521" y="620789"/>
-            <a:ext cx="8712981" cy="1020149"/>
+            <a:off x="287305" y="744947"/>
+            <a:ext cx="11615021" cy="1224179"/>
           </a:xfrm>
         </p:spPr>
         <p:txBody>
@@ -2093,40 +2021,40 @@
           <a:lstStyle>
             <a:lvl1pPr marL="0" indent="0">
               <a:buNone/>
-              <a:defRPr sz="4000" b="0" u="none" cap="small" baseline="0">
+              <a:defRPr sz="4800" b="0" u="none" cap="small" baseline="0">
                 <a:solidFill>
                   <a:schemeClr val="bg1"/>
                 </a:solidFill>
                 <a:latin typeface="Arial Black" pitchFamily="34" charset="0"/>
               </a:defRPr>
             </a:lvl1pPr>
-            <a:lvl2pPr marL="380992" indent="0">
-              <a:buNone/>
-              <a:defRPr sz="3333">
+            <a:lvl2pPr marL="457200" indent="0">
+              <a:buNone/>
+              <a:defRPr sz="4000">
                 <a:solidFill>
                   <a:schemeClr val="bg1"/>
                 </a:solidFill>
               </a:defRPr>
             </a:lvl2pPr>
-            <a:lvl3pPr marL="761985" indent="0">
-              <a:buNone/>
-              <a:defRPr sz="3333">
+            <a:lvl3pPr marL="914400" indent="0">
+              <a:buNone/>
+              <a:defRPr sz="4000">
                 <a:solidFill>
                   <a:schemeClr val="bg1"/>
                 </a:solidFill>
               </a:defRPr>
             </a:lvl3pPr>
-            <a:lvl4pPr marL="1142977" indent="0">
-              <a:buNone/>
-              <a:defRPr sz="3333">
+            <a:lvl4pPr marL="1371600" indent="0">
+              <a:buNone/>
+              <a:defRPr sz="4000">
                 <a:solidFill>
                   <a:schemeClr val="bg1"/>
                 </a:solidFill>
               </a:defRPr>
             </a:lvl4pPr>
-            <a:lvl5pPr marL="1523970" indent="0">
-              <a:buNone/>
-              <a:defRPr sz="3333">
+            <a:lvl5pPr marL="1828800" indent="0">
+              <a:buNone/>
+              <a:defRPr sz="4000">
                 <a:solidFill>
                   <a:schemeClr val="bg1"/>
                 </a:solidFill>
@@ -2155,8 +2083,8 @@
         </p:nvSpPr>
         <p:spPr>
           <a:xfrm>
-            <a:off x="611189" y="1597042"/>
-            <a:ext cx="7993074" cy="3301549"/>
+            <a:off x="814758" y="1916450"/>
+            <a:ext cx="10655334" cy="3961859"/>
           </a:xfrm>
         </p:spPr>
         <p:txBody>
@@ -2166,21 +2094,21 @@
           <a:lstStyle>
             <a:lvl1pPr marL="0" indent="0">
               <a:buNone/>
-              <a:defRPr sz="2333"/>
+              <a:defRPr sz="2800"/>
             </a:lvl1pPr>
-            <a:lvl2pPr marL="380992" indent="0">
+            <a:lvl2pPr marL="457200" indent="0">
               <a:buNone/>
               <a:defRPr/>
             </a:lvl2pPr>
-            <a:lvl3pPr marL="761985" indent="0">
+            <a:lvl3pPr marL="914400" indent="0">
               <a:buNone/>
               <a:defRPr/>
             </a:lvl3pPr>
-            <a:lvl4pPr marL="1142977" indent="0">
+            <a:lvl4pPr marL="1371600" indent="0">
               <a:buNone/>
               <a:defRPr/>
             </a:lvl4pPr>
-            <a:lvl5pPr marL="1523970" indent="0">
+            <a:lvl5pPr marL="1828800" indent="0">
               <a:buNone/>
               <a:defRPr/>
             </a:lvl5pPr>
@@ -2203,8 +2131,8 @@
         </p:nvSpPr>
         <p:spPr>
           <a:xfrm>
-            <a:off x="-38100" y="-30760"/>
-            <a:ext cx="9220214" cy="5778529"/>
+            <a:off x="-50790" y="-36912"/>
+            <a:ext cx="12291199" cy="6934235"/>
           </a:xfrm>
           <a:prstGeom prst="roundRect">
             <a:avLst>
@@ -2280,8 +2208,8 @@
         </p:nvSpPr>
         <p:spPr>
           <a:xfrm>
-            <a:off x="628650" y="193204"/>
-            <a:ext cx="7886700" cy="263260"/>
+            <a:off x="838035" y="231845"/>
+            <a:ext cx="10513530" cy="315912"/>
           </a:xfrm>
         </p:spPr>
         <p:txBody>
@@ -2308,8 +2236,8 @@
         </p:nvSpPr>
         <p:spPr>
           <a:xfrm>
-            <a:off x="484554" y="625252"/>
-            <a:ext cx="8174891" cy="3960440"/>
+            <a:off x="185384" y="129540"/>
+            <a:ext cx="11773122" cy="6546342"/>
           </a:xfrm>
         </p:spPr>
         <p:txBody>
@@ -2321,6 +2249,7 @@
               <a:rPr lang="en-US"/>
               <a:t>Edit Master text styles</a:t>
             </a:r>
+            <a:endParaRPr lang="en-US"/>
           </a:p>
           <a:p>
             <a:pPr lvl="1"/>
@@ -2328,6 +2257,7 @@
               <a:rPr lang="en-US"/>
               <a:t>Second level</a:t>
             </a:r>
+            <a:endParaRPr lang="en-US"/>
           </a:p>
           <a:p>
             <a:pPr lvl="2"/>
@@ -2335,6 +2265,7 @@
               <a:rPr lang="en-US"/>
               <a:t>Third level</a:t>
             </a:r>
+            <a:endParaRPr lang="en-US"/>
           </a:p>
           <a:p>
             <a:pPr lvl="3"/>
@@ -2342,6 +2273,7 @@
               <a:rPr lang="en-US"/>
               <a:t>Fourth level</a:t>
             </a:r>
+            <a:endParaRPr lang="en-US"/>
           </a:p>
           <a:p>
             <a:pPr lvl="4"/>
@@ -2354,11 +2286,6 @@
         </p:txBody>
       </p:sp>
     </p:spTree>
-    <p:extLst>
-      <p:ext uri="{BB962C8B-B14F-4D97-AF65-F5344CB8AC3E}">
-        <p14:creationId xmlns:p14="http://schemas.microsoft.com/office/powerpoint/2010/main" val="331485645"/>
-      </p:ext>
-    </p:extLst>
   </p:cSld>
   <p:clrMapOvr>
     <a:masterClrMapping/>
@@ -2396,8 +2323,8 @@
         </p:nvSpPr>
         <p:spPr>
           <a:xfrm flipV="1">
-            <a:off x="-474354" y="1297559"/>
-            <a:ext cx="10081135" cy="4621330"/>
+            <a:off x="-632348" y="1557071"/>
+            <a:ext cx="13438868" cy="5545596"/>
           </a:xfrm>
           <a:prstGeom prst="rect">
             <a:avLst/>
@@ -2453,8 +2380,8 @@
         </p:nvSpPr>
         <p:spPr>
           <a:xfrm>
-            <a:off x="216005" y="616341"/>
-            <a:ext cx="8712013" cy="1020149"/>
+            <a:off x="287950" y="739609"/>
+            <a:ext cx="11613731" cy="1224179"/>
           </a:xfrm>
           <a:noFill/>
         </p:spPr>
@@ -2465,7 +2392,7 @@
           <a:lstStyle>
             <a:lvl1pPr marL="0" indent="0" algn="r">
               <a:buNone/>
-              <a:defRPr sz="4000" b="0" u="none" cap="small" baseline="0">
+              <a:defRPr sz="4800" b="0" u="none" cap="small" baseline="0">
                 <a:pattFill prst="trellis">
                   <a:fgClr>
                     <a:srgbClr val="8F001E"/>
@@ -2477,33 +2404,33 @@
                 <a:latin typeface="Arial Black" pitchFamily="34" charset="0"/>
               </a:defRPr>
             </a:lvl1pPr>
-            <a:lvl2pPr marL="380992" indent="0">
-              <a:buNone/>
-              <a:defRPr sz="3333">
+            <a:lvl2pPr marL="457200" indent="0">
+              <a:buNone/>
+              <a:defRPr sz="4000">
                 <a:solidFill>
                   <a:schemeClr val="bg1"/>
                 </a:solidFill>
               </a:defRPr>
             </a:lvl2pPr>
-            <a:lvl3pPr marL="761985" indent="0">
-              <a:buNone/>
-              <a:defRPr sz="3333">
+            <a:lvl3pPr marL="914400" indent="0">
+              <a:buNone/>
+              <a:defRPr sz="4000">
                 <a:solidFill>
                   <a:schemeClr val="bg1"/>
                 </a:solidFill>
               </a:defRPr>
             </a:lvl3pPr>
-            <a:lvl4pPr marL="1142977" indent="0">
-              <a:buNone/>
-              <a:defRPr sz="3333">
+            <a:lvl4pPr marL="1371600" indent="0">
+              <a:buNone/>
+              <a:defRPr sz="4000">
                 <a:solidFill>
                   <a:schemeClr val="bg1"/>
                 </a:solidFill>
               </a:defRPr>
             </a:lvl4pPr>
-            <a:lvl5pPr marL="1523970" indent="0">
-              <a:buNone/>
-              <a:defRPr sz="3333">
+            <a:lvl5pPr marL="1828800" indent="0">
+              <a:buNone/>
+              <a:defRPr sz="4000">
                 <a:solidFill>
                   <a:schemeClr val="bg1"/>
                 </a:solidFill>
@@ -2532,8 +2459,8 @@
         </p:nvSpPr>
         <p:spPr>
           <a:xfrm>
-            <a:off x="539751" y="1477967"/>
-            <a:ext cx="8064512" cy="3900648"/>
+            <a:off x="719526" y="1773560"/>
+            <a:ext cx="10750566" cy="4680778"/>
           </a:xfrm>
         </p:spPr>
         <p:txBody>
@@ -2542,35 +2469,35 @@
           </a:bodyPr>
           <a:lstStyle>
             <a:lvl1pPr>
-              <a:defRPr sz="2333">
+              <a:defRPr sz="2800">
                 <a:solidFill>
                   <a:schemeClr val="bg1"/>
                 </a:solidFill>
               </a:defRPr>
             </a:lvl1pPr>
             <a:lvl2pPr>
-              <a:defRPr sz="2000">
+              <a:defRPr sz="2400">
                 <a:solidFill>
                   <a:schemeClr val="bg1"/>
                 </a:solidFill>
               </a:defRPr>
             </a:lvl2pPr>
             <a:lvl3pPr>
-              <a:defRPr sz="1667">
+              <a:defRPr sz="2000">
                 <a:solidFill>
                   <a:schemeClr val="bg1"/>
                 </a:solidFill>
               </a:defRPr>
             </a:lvl3pPr>
             <a:lvl4pPr>
-              <a:defRPr sz="1500">
+              <a:defRPr sz="1800">
                 <a:solidFill>
                   <a:schemeClr val="bg1"/>
                 </a:solidFill>
               </a:defRPr>
             </a:lvl4pPr>
             <a:lvl5pPr>
-              <a:defRPr sz="1500">
+              <a:defRPr sz="1800">
                 <a:solidFill>
                   <a:schemeClr val="bg1"/>
                 </a:solidFill>
@@ -2583,6 +2510,7 @@
               <a:rPr lang="en-US" dirty="0"/>
               <a:t>Click to edit Master text styles</a:t>
             </a:r>
+            <a:endParaRPr lang="en-US" dirty="0"/>
           </a:p>
           <a:p>
             <a:pPr lvl="1"/>
@@ -2590,6 +2518,7 @@
               <a:rPr lang="en-US" dirty="0"/>
               <a:t>Second level</a:t>
             </a:r>
+            <a:endParaRPr lang="en-US" dirty="0"/>
           </a:p>
           <a:p>
             <a:pPr lvl="2"/>
@@ -2597,6 +2526,7 @@
               <a:rPr lang="en-US" dirty="0"/>
               <a:t>Third level</a:t>
             </a:r>
+            <a:endParaRPr lang="en-US" dirty="0"/>
           </a:p>
           <a:p>
             <a:pPr lvl="3"/>
@@ -2604,6 +2534,7 @@
               <a:rPr lang="en-US" dirty="0"/>
               <a:t>Fourth level</a:t>
             </a:r>
+            <a:endParaRPr lang="en-US" dirty="0"/>
           </a:p>
           <a:p>
             <a:pPr lvl="4"/>
@@ -2623,8 +2554,8 @@
         </p:nvSpPr>
         <p:spPr>
           <a:xfrm>
-            <a:off x="-38100" y="-30760"/>
-            <a:ext cx="9220214" cy="5778529"/>
+            <a:off x="-50790" y="-36912"/>
+            <a:ext cx="12291199" cy="6934235"/>
           </a:xfrm>
           <a:prstGeom prst="roundRect">
             <a:avLst>
@@ -2696,8 +2627,8 @@
         </p:nvSpPr>
         <p:spPr>
           <a:xfrm>
-            <a:off x="-324544" y="1357576"/>
-            <a:ext cx="8064908" cy="1020293"/>
+            <a:off x="-432640" y="1629091"/>
+            <a:ext cx="10751094" cy="1224352"/>
           </a:xfrm>
           <a:prstGeom prst="roundRect">
             <a:avLst>
@@ -2750,8 +2681,8 @@
         </p:nvSpPr>
         <p:spPr>
           <a:xfrm>
-            <a:off x="684219" y="1357553"/>
-            <a:ext cx="6191259" cy="1020149"/>
+            <a:off x="912112" y="1629064"/>
+            <a:ext cx="8253387" cy="1224179"/>
           </a:xfrm>
         </p:spPr>
         <p:txBody>
@@ -2761,39 +2692,39 @@
           <a:lstStyle>
             <a:lvl1pPr marL="0" indent="0">
               <a:buNone/>
-              <a:defRPr sz="3333">
+              <a:defRPr sz="4000">
                 <a:solidFill>
                   <a:schemeClr val="bg1"/>
                 </a:solidFill>
               </a:defRPr>
             </a:lvl1pPr>
-            <a:lvl2pPr marL="380992" indent="0">
-              <a:buNone/>
-              <a:defRPr sz="3333">
+            <a:lvl2pPr marL="457200" indent="0">
+              <a:buNone/>
+              <a:defRPr sz="4000">
                 <a:solidFill>
                   <a:schemeClr val="bg1"/>
                 </a:solidFill>
               </a:defRPr>
             </a:lvl2pPr>
-            <a:lvl3pPr marL="761985" indent="0">
-              <a:buNone/>
-              <a:defRPr sz="3333">
+            <a:lvl3pPr marL="914400" indent="0">
+              <a:buNone/>
+              <a:defRPr sz="4000">
                 <a:solidFill>
                   <a:schemeClr val="bg1"/>
                 </a:solidFill>
               </a:defRPr>
             </a:lvl3pPr>
-            <a:lvl4pPr marL="1142977" indent="0">
-              <a:buNone/>
-              <a:defRPr sz="3333">
+            <a:lvl4pPr marL="1371600" indent="0">
+              <a:buNone/>
+              <a:defRPr sz="4000">
                 <a:solidFill>
                   <a:schemeClr val="bg1"/>
                 </a:solidFill>
               </a:defRPr>
             </a:lvl4pPr>
-            <a:lvl5pPr marL="1523970" indent="0">
-              <a:buNone/>
-              <a:defRPr sz="3333">
+            <a:lvl5pPr marL="1828800" indent="0">
+              <a:buNone/>
+              <a:defRPr sz="4000">
                 <a:solidFill>
                   <a:schemeClr val="bg1"/>
                 </a:solidFill>
@@ -2806,6 +2737,7 @@
               <a:rPr lang="en-US" dirty="0"/>
               <a:t>Click to edit Master text styles</a:t>
             </a:r>
+            <a:endParaRPr lang="en-US" dirty="0"/>
           </a:p>
           <a:p>
             <a:pPr lvl="1"/>
@@ -2813,6 +2745,7 @@
               <a:rPr lang="en-US" dirty="0"/>
               <a:t>Second level</a:t>
             </a:r>
+            <a:endParaRPr lang="en-US" dirty="0"/>
           </a:p>
           <a:p>
             <a:pPr lvl="2"/>
@@ -2820,6 +2753,7 @@
               <a:rPr lang="en-US" dirty="0"/>
               <a:t>Third level</a:t>
             </a:r>
+            <a:endParaRPr lang="en-US" dirty="0"/>
           </a:p>
           <a:p>
             <a:pPr lvl="3"/>
@@ -2827,6 +2761,7 @@
               <a:rPr lang="en-US" dirty="0"/>
               <a:t>Fourth level</a:t>
             </a:r>
+            <a:endParaRPr lang="en-US" dirty="0"/>
           </a:p>
           <a:p>
             <a:pPr lvl="4"/>
@@ -2846,8 +2781,8 @@
         </p:nvSpPr>
         <p:spPr>
           <a:xfrm>
-            <a:off x="-38100" y="-30760"/>
-            <a:ext cx="9220214" cy="5778529"/>
+            <a:off x="-50790" y="-36912"/>
+            <a:ext cx="12291199" cy="6934235"/>
           </a:xfrm>
           <a:prstGeom prst="roundRect">
             <a:avLst>
@@ -2946,8 +2881,8 @@
         </p:nvSpPr>
         <p:spPr>
           <a:xfrm>
-            <a:off x="457205" y="5297898"/>
-            <a:ext cx="2133603" cy="304324"/>
+            <a:off x="609487" y="6357478"/>
+            <a:ext cx="2844244" cy="365189"/>
           </a:xfrm>
           <a:prstGeom prst="rect">
             <a:avLst/>
@@ -2959,7 +2894,6 @@
           <a:p>
             <a:fld id="{5FE5D985-BC1F-4337-995C-A08BC27D9752}" type="datetimeFigureOut">
               <a:rPr lang="es-AR" smtClean="0"/>
-              <a:t>14/10/2018</a:t>
             </a:fld>
             <a:endParaRPr lang="es-AR"/>
           </a:p>
@@ -2977,8 +2911,8 @@
         </p:nvSpPr>
         <p:spPr>
           <a:xfrm>
-            <a:off x="3124205" y="5297898"/>
-            <a:ext cx="2895604" cy="304324"/>
+            <a:off x="4164787" y="6357478"/>
+            <a:ext cx="3860045" cy="365189"/>
           </a:xfrm>
           <a:prstGeom prst="rect">
             <a:avLst/>
@@ -3004,8 +2938,8 @@
         </p:nvSpPr>
         <p:spPr>
           <a:xfrm>
-            <a:off x="6553215" y="5297898"/>
-            <a:ext cx="2133603" cy="304324"/>
+            <a:off x="8735900" y="6357478"/>
+            <a:ext cx="2844244" cy="365189"/>
           </a:xfrm>
           <a:prstGeom prst="rect">
             <a:avLst/>
@@ -3017,7 +2951,6 @@
           <a:p>
             <a:fld id="{978E83EA-3671-4475-93F4-CFBDCD4C1007}" type="slidenum">
               <a:rPr lang="es-AR" smtClean="0"/>
-              <a:t>‹#›</a:t>
             </a:fld>
             <a:endParaRPr lang="es-AR"/>
           </a:p>
@@ -3060,15 +2993,15 @@
         </p:nvSpPr>
         <p:spPr>
           <a:xfrm>
-            <a:off x="623888" y="1424782"/>
-            <a:ext cx="7886700" cy="2377281"/>
+            <a:off x="831687" y="1709738"/>
+            <a:ext cx="10513530" cy="2852737"/>
           </a:xfrm>
         </p:spPr>
         <p:txBody>
           <a:bodyPr anchor="b"/>
           <a:lstStyle>
             <a:lvl1pPr>
-              <a:defRPr sz="4500"/>
+              <a:defRPr sz="5400"/>
             </a:lvl1pPr>
           </a:lstStyle>
           <a:p>
@@ -3092,14 +3025,24 @@
         </p:nvSpPr>
         <p:spPr>
           <a:xfrm>
-            <a:off x="623888" y="3824553"/>
-            <a:ext cx="7886700" cy="1250156"/>
+            <a:off x="831687" y="4589464"/>
+            <a:ext cx="10513530" cy="1500187"/>
           </a:xfrm>
         </p:spPr>
         <p:txBody>
           <a:bodyPr/>
           <a:lstStyle>
             <a:lvl1pPr marL="0" indent="0">
+              <a:buNone/>
+              <a:defRPr sz="2160">
+                <a:solidFill>
+                  <a:schemeClr val="tx1">
+                    <a:tint val="75000"/>
+                  </a:schemeClr>
+                </a:solidFill>
+              </a:defRPr>
+            </a:lvl1pPr>
+            <a:lvl2pPr marL="411480" indent="0">
               <a:buNone/>
               <a:defRPr sz="1800">
                 <a:solidFill>
@@ -3108,20 +3051,10 @@
                   </a:schemeClr>
                 </a:solidFill>
               </a:defRPr>
-            </a:lvl1pPr>
-            <a:lvl2pPr marL="342900" indent="0">
-              <a:buNone/>
-              <a:defRPr sz="1500">
-                <a:solidFill>
-                  <a:schemeClr val="tx1">
-                    <a:tint val="75000"/>
-                  </a:schemeClr>
-                </a:solidFill>
-              </a:defRPr>
             </a:lvl2pPr>
-            <a:lvl3pPr marL="685800" indent="0">
-              <a:buNone/>
-              <a:defRPr sz="1350">
+            <a:lvl3pPr marL="822960" indent="0">
+              <a:buNone/>
+              <a:defRPr sz="1620">
                 <a:solidFill>
                   <a:schemeClr val="tx1">
                     <a:tint val="75000"/>
@@ -3129,9 +3062,9 @@
                 </a:solidFill>
               </a:defRPr>
             </a:lvl3pPr>
-            <a:lvl4pPr marL="1028700" indent="0">
-              <a:buNone/>
-              <a:defRPr sz="1200">
+            <a:lvl4pPr marL="1234440" indent="0">
+              <a:buNone/>
+              <a:defRPr sz="1440">
                 <a:solidFill>
                   <a:schemeClr val="tx1">
                     <a:tint val="75000"/>
@@ -3139,9 +3072,9 @@
                 </a:solidFill>
               </a:defRPr>
             </a:lvl4pPr>
-            <a:lvl5pPr marL="1371600" indent="0">
-              <a:buNone/>
-              <a:defRPr sz="1200">
+            <a:lvl5pPr marL="1645920" indent="0">
+              <a:buNone/>
+              <a:defRPr sz="1440">
                 <a:solidFill>
                   <a:schemeClr val="tx1">
                     <a:tint val="75000"/>
@@ -3149,9 +3082,9 @@
                 </a:solidFill>
               </a:defRPr>
             </a:lvl5pPr>
-            <a:lvl6pPr marL="1714500" indent="0">
-              <a:buNone/>
-              <a:defRPr sz="1200">
+            <a:lvl6pPr marL="2057400" indent="0">
+              <a:buNone/>
+              <a:defRPr sz="1440">
                 <a:solidFill>
                   <a:schemeClr val="tx1">
                     <a:tint val="75000"/>
@@ -3159,9 +3092,9 @@
                 </a:solidFill>
               </a:defRPr>
             </a:lvl6pPr>
-            <a:lvl7pPr marL="2057400" indent="0">
-              <a:buNone/>
-              <a:defRPr sz="1200">
+            <a:lvl7pPr marL="2468880" indent="0">
+              <a:buNone/>
+              <a:defRPr sz="1440">
                 <a:solidFill>
                   <a:schemeClr val="tx1">
                     <a:tint val="75000"/>
@@ -3169,9 +3102,9 @@
                 </a:solidFill>
               </a:defRPr>
             </a:lvl7pPr>
-            <a:lvl8pPr marL="2400300" indent="0">
-              <a:buNone/>
-              <a:defRPr sz="1200">
+            <a:lvl8pPr marL="2880360" indent="0">
+              <a:buNone/>
+              <a:defRPr sz="1440">
                 <a:solidFill>
                   <a:schemeClr val="tx1">
                     <a:tint val="75000"/>
@@ -3179,9 +3112,9 @@
                 </a:solidFill>
               </a:defRPr>
             </a:lvl8pPr>
-            <a:lvl9pPr marL="2743200" indent="0">
-              <a:buNone/>
-              <a:defRPr sz="1200">
+            <a:lvl9pPr marL="3291840" indent="0">
+              <a:buNone/>
+              <a:defRPr sz="1440">
                 <a:solidFill>
                   <a:schemeClr val="tx1">
                     <a:tint val="75000"/>
@@ -3196,15 +3129,11 @@
               <a:rPr lang="en-US"/>
               <a:t>Edit Master text styles</a:t>
             </a:r>
+            <a:endParaRPr lang="en-US"/>
           </a:p>
         </p:txBody>
       </p:sp>
     </p:spTree>
-    <p:extLst>
-      <p:ext uri="{BB962C8B-B14F-4D97-AF65-F5344CB8AC3E}">
-        <p14:creationId xmlns:p14="http://schemas.microsoft.com/office/powerpoint/2010/main" val="3536063979"/>
-      </p:ext>
-    </p:extLst>
   </p:cSld>
   <p:clrMapOvr>
     <a:masterClrMapping/>
@@ -3264,8 +3193,8 @@
         </p:nvSpPr>
         <p:spPr>
           <a:xfrm>
-            <a:off x="628650" y="1521354"/>
-            <a:ext cx="3886200" cy="3626115"/>
+            <a:off x="838035" y="1825625"/>
+            <a:ext cx="5180580" cy="4351338"/>
           </a:xfrm>
         </p:spPr>
         <p:txBody>
@@ -3277,6 +3206,7 @@
               <a:rPr lang="en-US"/>
               <a:t>Edit Master text styles</a:t>
             </a:r>
+            <a:endParaRPr lang="en-US"/>
           </a:p>
           <a:p>
             <a:pPr lvl="1"/>
@@ -3284,6 +3214,7 @@
               <a:rPr lang="en-US"/>
               <a:t>Second level</a:t>
             </a:r>
+            <a:endParaRPr lang="en-US"/>
           </a:p>
           <a:p>
             <a:pPr lvl="2"/>
@@ -3291,6 +3222,7 @@
               <a:rPr lang="en-US"/>
               <a:t>Third level</a:t>
             </a:r>
+            <a:endParaRPr lang="en-US"/>
           </a:p>
           <a:p>
             <a:pPr lvl="3"/>
@@ -3298,6 +3230,7 @@
               <a:rPr lang="en-US"/>
               <a:t>Fourth level</a:t>
             </a:r>
+            <a:endParaRPr lang="en-US"/>
           </a:p>
           <a:p>
             <a:pPr lvl="4"/>
@@ -3321,8 +3254,8 @@
         </p:nvSpPr>
         <p:spPr>
           <a:xfrm>
-            <a:off x="4629150" y="1521354"/>
-            <a:ext cx="3886200" cy="3626115"/>
+            <a:off x="6170985" y="1825625"/>
+            <a:ext cx="5180580" cy="4351338"/>
           </a:xfrm>
         </p:spPr>
         <p:txBody>
@@ -3334,6 +3267,7 @@
               <a:rPr lang="en-US"/>
               <a:t>Edit Master text styles</a:t>
             </a:r>
+            <a:endParaRPr lang="en-US"/>
           </a:p>
           <a:p>
             <a:pPr lvl="1"/>
@@ -3341,6 +3275,7 @@
               <a:rPr lang="en-US"/>
               <a:t>Second level</a:t>
             </a:r>
+            <a:endParaRPr lang="en-US"/>
           </a:p>
           <a:p>
             <a:pPr lvl="2"/>
@@ -3348,6 +3283,7 @@
               <a:rPr lang="en-US"/>
               <a:t>Third level</a:t>
             </a:r>
+            <a:endParaRPr lang="en-US"/>
           </a:p>
           <a:p>
             <a:pPr lvl="3"/>
@@ -3355,6 +3291,7 @@
               <a:rPr lang="en-US"/>
               <a:t>Fourth level</a:t>
             </a:r>
+            <a:endParaRPr lang="en-US"/>
           </a:p>
           <a:p>
             <a:pPr lvl="4"/>
@@ -3378,8 +3315,8 @@
         </p:nvSpPr>
         <p:spPr>
           <a:xfrm>
-            <a:off x="628650" y="5296959"/>
-            <a:ext cx="2057400" cy="304271"/>
+            <a:off x="838035" y="6356351"/>
+            <a:ext cx="2742660" cy="365125"/>
           </a:xfrm>
           <a:prstGeom prst="rect">
             <a:avLst/>
@@ -3391,7 +3328,6 @@
           <a:p>
             <a:fld id="{C764DE79-268F-4C1A-8933-263129D2AF90}" type="datetimeFigureOut">
               <a:rPr lang="en-US" dirty="0"/>
-              <a:t>10/14/2018</a:t>
             </a:fld>
             <a:endParaRPr lang="en-US" dirty="0"/>
           </a:p>
@@ -3409,8 +3345,8 @@
         </p:nvSpPr>
         <p:spPr>
           <a:xfrm>
-            <a:off x="3028950" y="5296959"/>
-            <a:ext cx="3086100" cy="304271"/>
+            <a:off x="4037805" y="6356351"/>
+            <a:ext cx="4113990" cy="365125"/>
           </a:xfrm>
           <a:prstGeom prst="rect">
             <a:avLst/>
@@ -3436,8 +3372,8 @@
         </p:nvSpPr>
         <p:spPr>
           <a:xfrm>
-            <a:off x="6457950" y="5296959"/>
-            <a:ext cx="2057400" cy="304271"/>
+            <a:off x="8608905" y="6356351"/>
+            <a:ext cx="2742660" cy="365125"/>
           </a:xfrm>
           <a:prstGeom prst="rect">
             <a:avLst/>
@@ -3449,7 +3385,6 @@
           <a:p>
             <a:fld id="{48F63A3B-78C7-47BE-AE5E-E10140E04643}" type="slidenum">
               <a:rPr lang="en-US" dirty="0"/>
-              <a:t>‹#›</a:t>
             </a:fld>
             <a:endParaRPr lang="en-US" dirty="0"/>
           </a:p>
@@ -3457,20 +3392,14 @@
       </p:sp>
       <p:sp>
         <p:nvSpPr>
-          <p:cNvPr id="8" name="Rounded Rectangle 7">
-            <a:extLst>
-              <a:ext uri="{FF2B5EF4-FFF2-40B4-BE49-F238E27FC236}">
-                <a16:creationId xmlns:a16="http://schemas.microsoft.com/office/drawing/2014/main" id="{33422993-8ABF-445E-9C5D-FD1BBC8F952E}"/>
-              </a:ext>
-            </a:extLst>
-          </p:cNvPr>
+          <p:cNvPr id="8" name="Rounded Rectangle 7"/>
           <p:cNvSpPr/>
           <p:nvPr userDrawn="1"/>
         </p:nvSpPr>
         <p:spPr>
           <a:xfrm>
-            <a:off x="-38100" y="-30761"/>
-            <a:ext cx="9220214" cy="5778529"/>
+            <a:off x="-50790" y="-36913"/>
+            <a:ext cx="12291199" cy="6934235"/>
           </a:xfrm>
           <a:prstGeom prst="roundRect">
             <a:avLst>
@@ -3510,11 +3439,6 @@
         </p:txBody>
       </p:sp>
     </p:spTree>
-    <p:extLst>
-      <p:ext uri="{BB962C8B-B14F-4D97-AF65-F5344CB8AC3E}">
-        <p14:creationId xmlns:p14="http://schemas.microsoft.com/office/powerpoint/2010/main" val="2094756963"/>
-      </p:ext>
-    </p:extLst>
   </p:cSld>
   <p:clrMapOvr>
     <a:masterClrMapping/>
@@ -3551,8 +3475,8 @@
         </p:nvSpPr>
         <p:spPr>
           <a:xfrm>
-            <a:off x="629841" y="304271"/>
-            <a:ext cx="7886700" cy="1104636"/>
+            <a:off x="839623" y="365125"/>
+            <a:ext cx="10513530" cy="1325563"/>
           </a:xfrm>
         </p:spPr>
         <p:txBody>
@@ -3579,8 +3503,8 @@
         </p:nvSpPr>
         <p:spPr>
           <a:xfrm>
-            <a:off x="629842" y="1400969"/>
-            <a:ext cx="3868340" cy="686593"/>
+            <a:off x="839624" y="1681163"/>
+            <a:ext cx="5156771" cy="823912"/>
           </a:xfrm>
         </p:spPr>
         <p:txBody>
@@ -3588,39 +3512,39 @@
           <a:lstStyle>
             <a:lvl1pPr marL="0" indent="0">
               <a:buNone/>
+              <a:defRPr sz="2160" b="1"/>
+            </a:lvl1pPr>
+            <a:lvl2pPr marL="411480" indent="0">
+              <a:buNone/>
               <a:defRPr sz="1800" b="1"/>
-            </a:lvl1pPr>
-            <a:lvl2pPr marL="342900" indent="0">
-              <a:buNone/>
-              <a:defRPr sz="1500" b="1"/>
             </a:lvl2pPr>
-            <a:lvl3pPr marL="685800" indent="0">
-              <a:buNone/>
-              <a:defRPr sz="1350" b="1"/>
+            <a:lvl3pPr marL="822960" indent="0">
+              <a:buNone/>
+              <a:defRPr sz="1620" b="1"/>
             </a:lvl3pPr>
-            <a:lvl4pPr marL="1028700" indent="0">
-              <a:buNone/>
-              <a:defRPr sz="1200" b="1"/>
+            <a:lvl4pPr marL="1234440" indent="0">
+              <a:buNone/>
+              <a:defRPr sz="1440" b="1"/>
             </a:lvl4pPr>
-            <a:lvl5pPr marL="1371600" indent="0">
-              <a:buNone/>
-              <a:defRPr sz="1200" b="1"/>
+            <a:lvl5pPr marL="1645920" indent="0">
+              <a:buNone/>
+              <a:defRPr sz="1440" b="1"/>
             </a:lvl5pPr>
-            <a:lvl6pPr marL="1714500" indent="0">
-              <a:buNone/>
-              <a:defRPr sz="1200" b="1"/>
+            <a:lvl6pPr marL="2057400" indent="0">
+              <a:buNone/>
+              <a:defRPr sz="1440" b="1"/>
             </a:lvl6pPr>
-            <a:lvl7pPr marL="2057400" indent="0">
-              <a:buNone/>
-              <a:defRPr sz="1200" b="1"/>
+            <a:lvl7pPr marL="2468880" indent="0">
+              <a:buNone/>
+              <a:defRPr sz="1440" b="1"/>
             </a:lvl7pPr>
-            <a:lvl8pPr marL="2400300" indent="0">
-              <a:buNone/>
-              <a:defRPr sz="1200" b="1"/>
+            <a:lvl8pPr marL="2880360" indent="0">
+              <a:buNone/>
+              <a:defRPr sz="1440" b="1"/>
             </a:lvl8pPr>
-            <a:lvl9pPr marL="2743200" indent="0">
-              <a:buNone/>
-              <a:defRPr sz="1200" b="1"/>
+            <a:lvl9pPr marL="3291840" indent="0">
+              <a:buNone/>
+              <a:defRPr sz="1440" b="1"/>
             </a:lvl9pPr>
           </a:lstStyle>
           <a:p>
@@ -3629,6 +3553,7 @@
               <a:rPr lang="en-US"/>
               <a:t>Edit Master text styles</a:t>
             </a:r>
+            <a:endParaRPr lang="en-US"/>
           </a:p>
         </p:txBody>
       </p:sp>
@@ -3644,8 +3569,8 @@
         </p:nvSpPr>
         <p:spPr>
           <a:xfrm>
-            <a:off x="629842" y="2087563"/>
-            <a:ext cx="3868340" cy="3070490"/>
+            <a:off x="839624" y="2505076"/>
+            <a:ext cx="5156771" cy="3684588"/>
           </a:xfrm>
         </p:spPr>
         <p:txBody>
@@ -3657,6 +3582,7 @@
               <a:rPr lang="en-US"/>
               <a:t>Edit Master text styles</a:t>
             </a:r>
+            <a:endParaRPr lang="en-US"/>
           </a:p>
           <a:p>
             <a:pPr lvl="1"/>
@@ -3664,6 +3590,7 @@
               <a:rPr lang="en-US"/>
               <a:t>Second level</a:t>
             </a:r>
+            <a:endParaRPr lang="en-US"/>
           </a:p>
           <a:p>
             <a:pPr lvl="2"/>
@@ -3671,6 +3598,7 @@
               <a:rPr lang="en-US"/>
               <a:t>Third level</a:t>
             </a:r>
+            <a:endParaRPr lang="en-US"/>
           </a:p>
           <a:p>
             <a:pPr lvl="3"/>
@@ -3678,6 +3606,7 @@
               <a:rPr lang="en-US"/>
               <a:t>Fourth level</a:t>
             </a:r>
+            <a:endParaRPr lang="en-US"/>
           </a:p>
           <a:p>
             <a:pPr lvl="4"/>
@@ -3701,8 +3630,8 @@
         </p:nvSpPr>
         <p:spPr>
           <a:xfrm>
-            <a:off x="4629150" y="1400969"/>
-            <a:ext cx="3887391" cy="686593"/>
+            <a:off x="6170985" y="1681163"/>
+            <a:ext cx="5182168" cy="823912"/>
           </a:xfrm>
         </p:spPr>
         <p:txBody>
@@ -3710,39 +3639,39 @@
           <a:lstStyle>
             <a:lvl1pPr marL="0" indent="0">
               <a:buNone/>
+              <a:defRPr sz="2160" b="1"/>
+            </a:lvl1pPr>
+            <a:lvl2pPr marL="411480" indent="0">
+              <a:buNone/>
               <a:defRPr sz="1800" b="1"/>
-            </a:lvl1pPr>
-            <a:lvl2pPr marL="342900" indent="0">
-              <a:buNone/>
-              <a:defRPr sz="1500" b="1"/>
             </a:lvl2pPr>
-            <a:lvl3pPr marL="685800" indent="0">
-              <a:buNone/>
-              <a:defRPr sz="1350" b="1"/>
+            <a:lvl3pPr marL="822960" indent="0">
+              <a:buNone/>
+              <a:defRPr sz="1620" b="1"/>
             </a:lvl3pPr>
-            <a:lvl4pPr marL="1028700" indent="0">
-              <a:buNone/>
-              <a:defRPr sz="1200" b="1"/>
+            <a:lvl4pPr marL="1234440" indent="0">
+              <a:buNone/>
+              <a:defRPr sz="1440" b="1"/>
             </a:lvl4pPr>
-            <a:lvl5pPr marL="1371600" indent="0">
-              <a:buNone/>
-              <a:defRPr sz="1200" b="1"/>
+            <a:lvl5pPr marL="1645920" indent="0">
+              <a:buNone/>
+              <a:defRPr sz="1440" b="1"/>
             </a:lvl5pPr>
-            <a:lvl6pPr marL="1714500" indent="0">
-              <a:buNone/>
-              <a:defRPr sz="1200" b="1"/>
+            <a:lvl6pPr marL="2057400" indent="0">
+              <a:buNone/>
+              <a:defRPr sz="1440" b="1"/>
             </a:lvl6pPr>
-            <a:lvl7pPr marL="2057400" indent="0">
-              <a:buNone/>
-              <a:defRPr sz="1200" b="1"/>
+            <a:lvl7pPr marL="2468880" indent="0">
+              <a:buNone/>
+              <a:defRPr sz="1440" b="1"/>
             </a:lvl7pPr>
-            <a:lvl8pPr marL="2400300" indent="0">
-              <a:buNone/>
-              <a:defRPr sz="1200" b="1"/>
+            <a:lvl8pPr marL="2880360" indent="0">
+              <a:buNone/>
+              <a:defRPr sz="1440" b="1"/>
             </a:lvl8pPr>
-            <a:lvl9pPr marL="2743200" indent="0">
-              <a:buNone/>
-              <a:defRPr sz="1200" b="1"/>
+            <a:lvl9pPr marL="3291840" indent="0">
+              <a:buNone/>
+              <a:defRPr sz="1440" b="1"/>
             </a:lvl9pPr>
           </a:lstStyle>
           <a:p>
@@ -3751,6 +3680,7 @@
               <a:rPr lang="en-US"/>
               <a:t>Edit Master text styles</a:t>
             </a:r>
+            <a:endParaRPr lang="en-US"/>
           </a:p>
         </p:txBody>
       </p:sp>
@@ -3766,8 +3696,8 @@
         </p:nvSpPr>
         <p:spPr>
           <a:xfrm>
-            <a:off x="4629150" y="2087563"/>
-            <a:ext cx="3887391" cy="3070490"/>
+            <a:off x="6170985" y="2505076"/>
+            <a:ext cx="5182168" cy="3684588"/>
           </a:xfrm>
         </p:spPr>
         <p:txBody>
@@ -3779,6 +3709,7 @@
               <a:rPr lang="en-US"/>
               <a:t>Edit Master text styles</a:t>
             </a:r>
+            <a:endParaRPr lang="en-US"/>
           </a:p>
           <a:p>
             <a:pPr lvl="1"/>
@@ -3786,6 +3717,7 @@
               <a:rPr lang="en-US"/>
               <a:t>Second level</a:t>
             </a:r>
+            <a:endParaRPr lang="en-US"/>
           </a:p>
           <a:p>
             <a:pPr lvl="2"/>
@@ -3793,6 +3725,7 @@
               <a:rPr lang="en-US"/>
               <a:t>Third level</a:t>
             </a:r>
+            <a:endParaRPr lang="en-US"/>
           </a:p>
           <a:p>
             <a:pPr lvl="3"/>
@@ -3800,6 +3733,7 @@
               <a:rPr lang="en-US"/>
               <a:t>Fourth level</a:t>
             </a:r>
+            <a:endParaRPr lang="en-US"/>
           </a:p>
           <a:p>
             <a:pPr lvl="4"/>
@@ -3823,8 +3757,8 @@
         </p:nvSpPr>
         <p:spPr>
           <a:xfrm>
-            <a:off x="628650" y="5296959"/>
-            <a:ext cx="2057400" cy="304271"/>
+            <a:off x="838035" y="6356351"/>
+            <a:ext cx="2742660" cy="365125"/>
           </a:xfrm>
           <a:prstGeom prst="rect">
             <a:avLst/>
@@ -3836,7 +3770,6 @@
           <a:p>
             <a:fld id="{5FE5D985-BC1F-4337-995C-A08BC27D9752}" type="datetimeFigureOut">
               <a:rPr lang="es-AR" smtClean="0"/>
-              <a:t>14/10/2018</a:t>
             </a:fld>
             <a:endParaRPr lang="es-AR"/>
           </a:p>
@@ -3854,8 +3787,8 @@
         </p:nvSpPr>
         <p:spPr>
           <a:xfrm>
-            <a:off x="3028950" y="5296959"/>
-            <a:ext cx="3086100" cy="304271"/>
+            <a:off x="4037805" y="6356351"/>
+            <a:ext cx="4113990" cy="365125"/>
           </a:xfrm>
           <a:prstGeom prst="rect">
             <a:avLst/>
@@ -3881,8 +3814,8 @@
         </p:nvSpPr>
         <p:spPr>
           <a:xfrm>
-            <a:off x="6457950" y="5296959"/>
-            <a:ext cx="2057400" cy="304271"/>
+            <a:off x="8608905" y="6356351"/>
+            <a:ext cx="2742660" cy="365125"/>
           </a:xfrm>
           <a:prstGeom prst="rect">
             <a:avLst/>
@@ -3894,7 +3827,6 @@
           <a:p>
             <a:fld id="{978E83EA-3671-4475-93F4-CFBDCD4C1007}" type="slidenum">
               <a:rPr lang="es-AR" smtClean="0"/>
-              <a:t>‹#›</a:t>
             </a:fld>
             <a:endParaRPr lang="es-AR"/>
           </a:p>
@@ -3902,20 +3834,14 @@
       </p:sp>
       <p:sp>
         <p:nvSpPr>
-          <p:cNvPr id="10" name="Rounded Rectangle 9">
-            <a:extLst>
-              <a:ext uri="{FF2B5EF4-FFF2-40B4-BE49-F238E27FC236}">
-                <a16:creationId xmlns:a16="http://schemas.microsoft.com/office/drawing/2014/main" id="{B47495F9-3286-4B8E-8473-DFB3C18B387A}"/>
-              </a:ext>
-            </a:extLst>
-          </p:cNvPr>
+          <p:cNvPr id="10" name="Rounded Rectangle 9"/>
           <p:cNvSpPr/>
           <p:nvPr userDrawn="1"/>
         </p:nvSpPr>
         <p:spPr>
           <a:xfrm>
-            <a:off x="-38100" y="-30761"/>
-            <a:ext cx="9220214" cy="5778529"/>
+            <a:off x="-50790" y="-36913"/>
+            <a:ext cx="12291199" cy="6934235"/>
           </a:xfrm>
           <a:prstGeom prst="roundRect">
             <a:avLst>
@@ -3955,11 +3881,6 @@
         </p:txBody>
       </p:sp>
     </p:spTree>
-    <p:extLst>
-      <p:ext uri="{BB962C8B-B14F-4D97-AF65-F5344CB8AC3E}">
-        <p14:creationId xmlns:p14="http://schemas.microsoft.com/office/powerpoint/2010/main" val="1669942994"/>
-      </p:ext>
-    </p:extLst>
   </p:cSld>
   <p:clrMapOvr>
     <a:masterClrMapping/>
@@ -4019,8 +3940,8 @@
         </p:nvSpPr>
         <p:spPr>
           <a:xfrm>
-            <a:off x="628650" y="5296959"/>
-            <a:ext cx="2057400" cy="304271"/>
+            <a:off x="838035" y="6356351"/>
+            <a:ext cx="2742660" cy="365125"/>
           </a:xfrm>
           <a:prstGeom prst="rect">
             <a:avLst/>
@@ -4032,7 +3953,6 @@
           <a:p>
             <a:fld id="{537AE976-010A-4AAB-98A0-551C363228AC}" type="datetimeFigureOut">
               <a:rPr lang="en-US" smtClean="0"/>
-              <a:t>10/14/2018</a:t>
             </a:fld>
             <a:endParaRPr lang="en-US"/>
           </a:p>
@@ -4050,8 +3970,8 @@
         </p:nvSpPr>
         <p:spPr>
           <a:xfrm>
-            <a:off x="3028950" y="5296959"/>
-            <a:ext cx="3086100" cy="304271"/>
+            <a:off x="4037805" y="6356351"/>
+            <a:ext cx="4113990" cy="365125"/>
           </a:xfrm>
           <a:prstGeom prst="rect">
             <a:avLst/>
@@ -4077,8 +3997,8 @@
         </p:nvSpPr>
         <p:spPr>
           <a:xfrm>
-            <a:off x="6457950" y="5296959"/>
-            <a:ext cx="2057400" cy="304271"/>
+            <a:off x="8608905" y="6356351"/>
+            <a:ext cx="2742660" cy="365125"/>
           </a:xfrm>
           <a:prstGeom prst="rect">
             <a:avLst/>
@@ -4090,18 +4010,12 @@
           <a:p>
             <a:fld id="{3CEE00CA-6D12-45D0-ACCF-20E685AFFE1B}" type="slidenum">
               <a:rPr lang="en-US" smtClean="0"/>
-              <a:t>‹#›</a:t>
             </a:fld>
             <a:endParaRPr lang="en-US"/>
           </a:p>
         </p:txBody>
       </p:sp>
     </p:spTree>
-    <p:extLst>
-      <p:ext uri="{BB962C8B-B14F-4D97-AF65-F5344CB8AC3E}">
-        <p14:creationId xmlns:p14="http://schemas.microsoft.com/office/powerpoint/2010/main" val="4274393843"/>
-      </p:ext>
-    </p:extLst>
   </p:cSld>
   <p:clrMapOvr>
     <a:masterClrMapping/>
@@ -4138,8 +4052,8 @@
         </p:nvSpPr>
         <p:spPr>
           <a:xfrm>
-            <a:off x="628650" y="5296959"/>
-            <a:ext cx="2057400" cy="304271"/>
+            <a:off x="838035" y="6356351"/>
+            <a:ext cx="2742660" cy="365125"/>
           </a:xfrm>
           <a:prstGeom prst="rect">
             <a:avLst/>
@@ -4151,7 +4065,6 @@
           <a:p>
             <a:fld id="{537AE976-010A-4AAB-98A0-551C363228AC}" type="datetimeFigureOut">
               <a:rPr lang="en-US" smtClean="0"/>
-              <a:t>10/14/2018</a:t>
             </a:fld>
             <a:endParaRPr lang="en-US"/>
           </a:p>
@@ -4169,8 +4082,8 @@
         </p:nvSpPr>
         <p:spPr>
           <a:xfrm>
-            <a:off x="3028950" y="5296959"/>
-            <a:ext cx="3086100" cy="304271"/>
+            <a:off x="4037805" y="6356351"/>
+            <a:ext cx="4113990" cy="365125"/>
           </a:xfrm>
           <a:prstGeom prst="rect">
             <a:avLst/>
@@ -4196,8 +4109,8 @@
         </p:nvSpPr>
         <p:spPr>
           <a:xfrm>
-            <a:off x="6457950" y="5296959"/>
-            <a:ext cx="2057400" cy="304271"/>
+            <a:off x="8608905" y="6356351"/>
+            <a:ext cx="2742660" cy="365125"/>
           </a:xfrm>
           <a:prstGeom prst="rect">
             <a:avLst/>
@@ -4209,18 +4122,12 @@
           <a:p>
             <a:fld id="{3CEE00CA-6D12-45D0-ACCF-20E685AFFE1B}" type="slidenum">
               <a:rPr lang="en-US" smtClean="0"/>
-              <a:t>‹#›</a:t>
             </a:fld>
             <a:endParaRPr lang="en-US"/>
           </a:p>
         </p:txBody>
       </p:sp>
     </p:spTree>
-    <p:extLst>
-      <p:ext uri="{BB962C8B-B14F-4D97-AF65-F5344CB8AC3E}">
-        <p14:creationId xmlns:p14="http://schemas.microsoft.com/office/powerpoint/2010/main" val="3310326322"/>
-      </p:ext>
-    </p:extLst>
   </p:cSld>
   <p:clrMapOvr>
     <a:masterClrMapping/>
@@ -4257,15 +4164,15 @@
         </p:nvSpPr>
         <p:spPr>
           <a:xfrm>
-            <a:off x="629841" y="381000"/>
-            <a:ext cx="2949178" cy="1333500"/>
+            <a:off x="839623" y="457200"/>
+            <a:ext cx="3931463" cy="1600200"/>
           </a:xfrm>
         </p:spPr>
         <p:txBody>
           <a:bodyPr anchor="b"/>
           <a:lstStyle>
             <a:lvl1pPr>
-              <a:defRPr sz="2400"/>
+              <a:defRPr sz="2880"/>
             </a:lvl1pPr>
           </a:lstStyle>
           <a:p>
@@ -4289,39 +4196,39 @@
         </p:nvSpPr>
         <p:spPr>
           <a:xfrm>
-            <a:off x="3887391" y="822855"/>
-            <a:ext cx="4629150" cy="4061354"/>
+            <a:off x="5182168" y="987426"/>
+            <a:ext cx="6170985" cy="4873625"/>
           </a:xfrm>
         </p:spPr>
         <p:txBody>
           <a:bodyPr/>
           <a:lstStyle>
             <a:lvl1pPr>
-              <a:defRPr sz="2400"/>
+              <a:defRPr sz="2880"/>
             </a:lvl1pPr>
             <a:lvl2pPr>
-              <a:defRPr sz="2100"/>
+              <a:defRPr sz="2520"/>
             </a:lvl2pPr>
             <a:lvl3pPr>
-              <a:defRPr sz="1800"/>
+              <a:defRPr sz="2160"/>
             </a:lvl3pPr>
             <a:lvl4pPr>
-              <a:defRPr sz="1500"/>
+              <a:defRPr sz="1800"/>
             </a:lvl4pPr>
             <a:lvl5pPr>
-              <a:defRPr sz="1500"/>
+              <a:defRPr sz="1800"/>
             </a:lvl5pPr>
             <a:lvl6pPr>
-              <a:defRPr sz="1500"/>
+              <a:defRPr sz="1800"/>
             </a:lvl6pPr>
             <a:lvl7pPr>
-              <a:defRPr sz="1500"/>
+              <a:defRPr sz="1800"/>
             </a:lvl7pPr>
             <a:lvl8pPr>
-              <a:defRPr sz="1500"/>
+              <a:defRPr sz="1800"/>
             </a:lvl8pPr>
             <a:lvl9pPr>
-              <a:defRPr sz="1500"/>
+              <a:defRPr sz="1800"/>
             </a:lvl9pPr>
           </a:lstStyle>
           <a:p>
@@ -4330,6 +4237,7 @@
               <a:rPr lang="en-US"/>
               <a:t>Edit Master text styles</a:t>
             </a:r>
+            <a:endParaRPr lang="en-US"/>
           </a:p>
           <a:p>
             <a:pPr lvl="1"/>
@@ -4337,6 +4245,7 @@
               <a:rPr lang="en-US"/>
               <a:t>Second level</a:t>
             </a:r>
+            <a:endParaRPr lang="en-US"/>
           </a:p>
           <a:p>
             <a:pPr lvl="2"/>
@@ -4344,6 +4253,7 @@
               <a:rPr lang="en-US"/>
               <a:t>Third level</a:t>
             </a:r>
+            <a:endParaRPr lang="en-US"/>
           </a:p>
           <a:p>
             <a:pPr lvl="3"/>
@@ -4351,6 +4261,7 @@
               <a:rPr lang="en-US"/>
               <a:t>Fourth level</a:t>
             </a:r>
+            <a:endParaRPr lang="en-US"/>
           </a:p>
           <a:p>
             <a:pPr lvl="4"/>
@@ -4374,8 +4285,8 @@
         </p:nvSpPr>
         <p:spPr>
           <a:xfrm>
-            <a:off x="629841" y="1714500"/>
-            <a:ext cx="2949178" cy="3176323"/>
+            <a:off x="839623" y="2057400"/>
+            <a:ext cx="3931463" cy="3811588"/>
           </a:xfrm>
         </p:spPr>
         <p:txBody>
@@ -4383,39 +4294,39 @@
           <a:lstStyle>
             <a:lvl1pPr marL="0" indent="0">
               <a:buNone/>
-              <a:defRPr sz="1200"/>
+              <a:defRPr sz="1440"/>
             </a:lvl1pPr>
-            <a:lvl2pPr marL="342900" indent="0">
-              <a:buNone/>
-              <a:defRPr sz="1050"/>
+            <a:lvl2pPr marL="411480" indent="0">
+              <a:buNone/>
+              <a:defRPr sz="1260"/>
             </a:lvl2pPr>
-            <a:lvl3pPr marL="685800" indent="0">
+            <a:lvl3pPr marL="822960" indent="0">
+              <a:buNone/>
+              <a:defRPr sz="1080"/>
+            </a:lvl3pPr>
+            <a:lvl4pPr marL="1234440" indent="0">
               <a:buNone/>
               <a:defRPr sz="900"/>
-            </a:lvl3pPr>
-            <a:lvl4pPr marL="1028700" indent="0">
-              <a:buNone/>
-              <a:defRPr sz="750"/>
             </a:lvl4pPr>
-            <a:lvl5pPr marL="1371600" indent="0">
-              <a:buNone/>
-              <a:defRPr sz="750"/>
+            <a:lvl5pPr marL="1645920" indent="0">
+              <a:buNone/>
+              <a:defRPr sz="900"/>
             </a:lvl5pPr>
-            <a:lvl6pPr marL="1714500" indent="0">
-              <a:buNone/>
-              <a:defRPr sz="750"/>
+            <a:lvl6pPr marL="2057400" indent="0">
+              <a:buNone/>
+              <a:defRPr sz="900"/>
             </a:lvl6pPr>
-            <a:lvl7pPr marL="2057400" indent="0">
-              <a:buNone/>
-              <a:defRPr sz="750"/>
+            <a:lvl7pPr marL="2468880" indent="0">
+              <a:buNone/>
+              <a:defRPr sz="900"/>
             </a:lvl7pPr>
-            <a:lvl8pPr marL="2400300" indent="0">
-              <a:buNone/>
-              <a:defRPr sz="750"/>
+            <a:lvl8pPr marL="2880360" indent="0">
+              <a:buNone/>
+              <a:defRPr sz="900"/>
             </a:lvl8pPr>
-            <a:lvl9pPr marL="2743200" indent="0">
-              <a:buNone/>
-              <a:defRPr sz="750"/>
+            <a:lvl9pPr marL="3291840" indent="0">
+              <a:buNone/>
+              <a:defRPr sz="900"/>
             </a:lvl9pPr>
           </a:lstStyle>
           <a:p>
@@ -4424,6 +4335,7 @@
               <a:rPr lang="en-US"/>
               <a:t>Edit Master text styles</a:t>
             </a:r>
+            <a:endParaRPr lang="en-US"/>
           </a:p>
         </p:txBody>
       </p:sp>
@@ -4439,8 +4351,8 @@
         </p:nvSpPr>
         <p:spPr>
           <a:xfrm>
-            <a:off x="628650" y="5296959"/>
-            <a:ext cx="2057400" cy="304271"/>
+            <a:off x="838035" y="6356351"/>
+            <a:ext cx="2742660" cy="365125"/>
           </a:xfrm>
           <a:prstGeom prst="rect">
             <a:avLst/>
@@ -4452,7 +4364,6 @@
           <a:p>
             <a:fld id="{5FE5D985-BC1F-4337-995C-A08BC27D9752}" type="datetimeFigureOut">
               <a:rPr lang="es-AR" smtClean="0"/>
-              <a:t>14/10/2018</a:t>
             </a:fld>
             <a:endParaRPr lang="es-AR"/>
           </a:p>
@@ -4470,8 +4381,8 @@
         </p:nvSpPr>
         <p:spPr>
           <a:xfrm>
-            <a:off x="3028950" y="5296959"/>
-            <a:ext cx="3086100" cy="304271"/>
+            <a:off x="4037805" y="6356351"/>
+            <a:ext cx="4113990" cy="365125"/>
           </a:xfrm>
           <a:prstGeom prst="rect">
             <a:avLst/>
@@ -4497,8 +4408,8 @@
         </p:nvSpPr>
         <p:spPr>
           <a:xfrm>
-            <a:off x="6457950" y="5296959"/>
-            <a:ext cx="2057400" cy="304271"/>
+            <a:off x="8608905" y="6356351"/>
+            <a:ext cx="2742660" cy="365125"/>
           </a:xfrm>
           <a:prstGeom prst="rect">
             <a:avLst/>
@@ -4510,18 +4421,12 @@
           <a:p>
             <a:fld id="{978E83EA-3671-4475-93F4-CFBDCD4C1007}" type="slidenum">
               <a:rPr lang="es-AR" smtClean="0"/>
-              <a:t>‹#›</a:t>
             </a:fld>
             <a:endParaRPr lang="es-AR"/>
           </a:p>
         </p:txBody>
       </p:sp>
     </p:spTree>
-    <p:extLst>
-      <p:ext uri="{BB962C8B-B14F-4D97-AF65-F5344CB8AC3E}">
-        <p14:creationId xmlns:p14="http://schemas.microsoft.com/office/powerpoint/2010/main" val="3927557278"/>
-      </p:ext>
-    </p:extLst>
   </p:cSld>
   <p:clrMapOvr>
     <a:masterClrMapping/>
@@ -4558,15 +4463,15 @@
         </p:nvSpPr>
         <p:spPr>
           <a:xfrm>
-            <a:off x="629841" y="381000"/>
-            <a:ext cx="2949178" cy="1333500"/>
+            <a:off x="839623" y="457200"/>
+            <a:ext cx="3931463" cy="1600200"/>
           </a:xfrm>
         </p:spPr>
         <p:txBody>
           <a:bodyPr anchor="b"/>
           <a:lstStyle>
             <a:lvl1pPr>
-              <a:defRPr sz="2400"/>
+              <a:defRPr sz="2880"/>
             </a:lvl1pPr>
           </a:lstStyle>
           <a:p>
@@ -4590,8 +4495,8 @@
         </p:nvSpPr>
         <p:spPr>
           <a:xfrm>
-            <a:off x="3887391" y="822855"/>
-            <a:ext cx="4629150" cy="4061354"/>
+            <a:off x="5182168" y="987426"/>
+            <a:ext cx="6170985" cy="4873625"/>
           </a:xfrm>
         </p:spPr>
         <p:txBody>
@@ -4599,39 +4504,39 @@
           <a:lstStyle>
             <a:lvl1pPr marL="0" indent="0">
               <a:buNone/>
-              <a:defRPr sz="2400"/>
+              <a:defRPr sz="2880"/>
             </a:lvl1pPr>
-            <a:lvl2pPr marL="342900" indent="0">
-              <a:buNone/>
-              <a:defRPr sz="2100"/>
+            <a:lvl2pPr marL="411480" indent="0">
+              <a:buNone/>
+              <a:defRPr sz="2520"/>
             </a:lvl2pPr>
-            <a:lvl3pPr marL="685800" indent="0">
+            <a:lvl3pPr marL="822960" indent="0">
+              <a:buNone/>
+              <a:defRPr sz="2160"/>
+            </a:lvl3pPr>
+            <a:lvl4pPr marL="1234440" indent="0">
               <a:buNone/>
               <a:defRPr sz="1800"/>
-            </a:lvl3pPr>
-            <a:lvl4pPr marL="1028700" indent="0">
-              <a:buNone/>
-              <a:defRPr sz="1500"/>
             </a:lvl4pPr>
-            <a:lvl5pPr marL="1371600" indent="0">
-              <a:buNone/>
-              <a:defRPr sz="1500"/>
+            <a:lvl5pPr marL="1645920" indent="0">
+              <a:buNone/>
+              <a:defRPr sz="1800"/>
             </a:lvl5pPr>
-            <a:lvl6pPr marL="1714500" indent="0">
-              <a:buNone/>
-              <a:defRPr sz="1500"/>
+            <a:lvl6pPr marL="2057400" indent="0">
+              <a:buNone/>
+              <a:defRPr sz="1800"/>
             </a:lvl6pPr>
-            <a:lvl7pPr marL="2057400" indent="0">
-              <a:buNone/>
-              <a:defRPr sz="1500"/>
+            <a:lvl7pPr marL="2468880" indent="0">
+              <a:buNone/>
+              <a:defRPr sz="1800"/>
             </a:lvl7pPr>
-            <a:lvl8pPr marL="2400300" indent="0">
-              <a:buNone/>
-              <a:defRPr sz="1500"/>
+            <a:lvl8pPr marL="2880360" indent="0">
+              <a:buNone/>
+              <a:defRPr sz="1800"/>
             </a:lvl8pPr>
-            <a:lvl9pPr marL="2743200" indent="0">
-              <a:buNone/>
-              <a:defRPr sz="1500"/>
+            <a:lvl9pPr marL="3291840" indent="0">
+              <a:buNone/>
+              <a:defRPr sz="1800"/>
             </a:lvl9pPr>
           </a:lstStyle>
           <a:p>
@@ -4655,8 +4560,8 @@
         </p:nvSpPr>
         <p:spPr>
           <a:xfrm>
-            <a:off x="629841" y="1714500"/>
-            <a:ext cx="2949178" cy="3176323"/>
+            <a:off x="839623" y="2057400"/>
+            <a:ext cx="3931463" cy="3811588"/>
           </a:xfrm>
         </p:spPr>
         <p:txBody>
@@ -4664,39 +4569,39 @@
           <a:lstStyle>
             <a:lvl1pPr marL="0" indent="0">
               <a:buNone/>
-              <a:defRPr sz="1200"/>
+              <a:defRPr sz="1440"/>
             </a:lvl1pPr>
-            <a:lvl2pPr marL="342900" indent="0">
-              <a:buNone/>
-              <a:defRPr sz="1050"/>
+            <a:lvl2pPr marL="411480" indent="0">
+              <a:buNone/>
+              <a:defRPr sz="1260"/>
             </a:lvl2pPr>
-            <a:lvl3pPr marL="685800" indent="0">
+            <a:lvl3pPr marL="822960" indent="0">
+              <a:buNone/>
+              <a:defRPr sz="1080"/>
+            </a:lvl3pPr>
+            <a:lvl4pPr marL="1234440" indent="0">
               <a:buNone/>
               <a:defRPr sz="900"/>
-            </a:lvl3pPr>
-            <a:lvl4pPr marL="1028700" indent="0">
-              <a:buNone/>
-              <a:defRPr sz="750"/>
             </a:lvl4pPr>
-            <a:lvl5pPr marL="1371600" indent="0">
-              <a:buNone/>
-              <a:defRPr sz="750"/>
+            <a:lvl5pPr marL="1645920" indent="0">
+              <a:buNone/>
+              <a:defRPr sz="900"/>
             </a:lvl5pPr>
-            <a:lvl6pPr marL="1714500" indent="0">
-              <a:buNone/>
-              <a:defRPr sz="750"/>
+            <a:lvl6pPr marL="2057400" indent="0">
+              <a:buNone/>
+              <a:defRPr sz="900"/>
             </a:lvl6pPr>
-            <a:lvl7pPr marL="2057400" indent="0">
-              <a:buNone/>
-              <a:defRPr sz="750"/>
+            <a:lvl7pPr marL="2468880" indent="0">
+              <a:buNone/>
+              <a:defRPr sz="900"/>
             </a:lvl7pPr>
-            <a:lvl8pPr marL="2400300" indent="0">
-              <a:buNone/>
-              <a:defRPr sz="750"/>
+            <a:lvl8pPr marL="2880360" indent="0">
+              <a:buNone/>
+              <a:defRPr sz="900"/>
             </a:lvl8pPr>
-            <a:lvl9pPr marL="2743200" indent="0">
-              <a:buNone/>
-              <a:defRPr sz="750"/>
+            <a:lvl9pPr marL="3291840" indent="0">
+              <a:buNone/>
+              <a:defRPr sz="900"/>
             </a:lvl9pPr>
           </a:lstStyle>
           <a:p>
@@ -4705,6 +4610,7 @@
               <a:rPr lang="en-US"/>
               <a:t>Edit Master text styles</a:t>
             </a:r>
+            <a:endParaRPr lang="en-US"/>
           </a:p>
         </p:txBody>
       </p:sp>
@@ -4720,8 +4626,8 @@
         </p:nvSpPr>
         <p:spPr>
           <a:xfrm>
-            <a:off x="628650" y="5296959"/>
-            <a:ext cx="2057400" cy="304271"/>
+            <a:off x="838035" y="6356351"/>
+            <a:ext cx="2742660" cy="365125"/>
           </a:xfrm>
           <a:prstGeom prst="rect">
             <a:avLst/>
@@ -4733,7 +4639,6 @@
           <a:p>
             <a:fld id="{5FE5D985-BC1F-4337-995C-A08BC27D9752}" type="datetimeFigureOut">
               <a:rPr lang="es-AR" smtClean="0"/>
-              <a:t>14/10/2018</a:t>
             </a:fld>
             <a:endParaRPr lang="es-AR"/>
           </a:p>
@@ -4751,8 +4656,8 @@
         </p:nvSpPr>
         <p:spPr>
           <a:xfrm>
-            <a:off x="3028950" y="5296959"/>
-            <a:ext cx="3086100" cy="304271"/>
+            <a:off x="4037805" y="6356351"/>
+            <a:ext cx="4113990" cy="365125"/>
           </a:xfrm>
           <a:prstGeom prst="rect">
             <a:avLst/>
@@ -4778,8 +4683,8 @@
         </p:nvSpPr>
         <p:spPr>
           <a:xfrm>
-            <a:off x="6457950" y="5296959"/>
-            <a:ext cx="2057400" cy="304271"/>
+            <a:off x="8608905" y="6356351"/>
+            <a:ext cx="2742660" cy="365125"/>
           </a:xfrm>
           <a:prstGeom prst="rect">
             <a:avLst/>
@@ -4791,18 +4696,12 @@
           <a:p>
             <a:fld id="{978E83EA-3671-4475-93F4-CFBDCD4C1007}" type="slidenum">
               <a:rPr lang="es-AR" smtClean="0"/>
-              <a:t>‹#›</a:t>
             </a:fld>
             <a:endParaRPr lang="es-AR"/>
           </a:p>
         </p:txBody>
       </p:sp>
     </p:spTree>
-    <p:extLst>
-      <p:ext uri="{BB962C8B-B14F-4D97-AF65-F5344CB8AC3E}">
-        <p14:creationId xmlns:p14="http://schemas.microsoft.com/office/powerpoint/2010/main" val="822848687"/>
-      </p:ext>
-    </p:extLst>
   </p:cSld>
   <p:clrMapOvr>
     <a:masterClrMapping/>
@@ -4844,8 +4743,8 @@
         </p:nvSpPr>
         <p:spPr>
           <a:xfrm>
-            <a:off x="628650" y="304271"/>
-            <a:ext cx="7886700" cy="1104636"/>
+            <a:off x="838035" y="365125"/>
+            <a:ext cx="10513530" cy="1325563"/>
           </a:xfrm>
           <a:prstGeom prst="rect">
             <a:avLst/>
@@ -4877,8 +4776,8 @@
         </p:nvSpPr>
         <p:spPr>
           <a:xfrm>
-            <a:off x="628650" y="1521354"/>
-            <a:ext cx="7886700" cy="3626115"/>
+            <a:off x="838035" y="1825625"/>
+            <a:ext cx="10513530" cy="4351338"/>
           </a:xfrm>
           <a:prstGeom prst="rect">
             <a:avLst/>
@@ -4895,6 +4794,7 @@
               <a:rPr lang="en-US"/>
               <a:t>Edit Master text styles</a:t>
             </a:r>
+            <a:endParaRPr lang="en-US"/>
           </a:p>
           <a:p>
             <a:pPr lvl="1"/>
@@ -4902,6 +4802,7 @@
               <a:rPr lang="en-US"/>
               <a:t>Second level</a:t>
             </a:r>
+            <a:endParaRPr lang="en-US"/>
           </a:p>
           <a:p>
             <a:pPr lvl="2"/>
@@ -4909,6 +4810,7 @@
               <a:rPr lang="en-US"/>
               <a:t>Third level</a:t>
             </a:r>
+            <a:endParaRPr lang="en-US"/>
           </a:p>
           <a:p>
             <a:pPr lvl="3"/>
@@ -4916,6 +4818,7 @@
               <a:rPr lang="en-US"/>
               <a:t>Fourth level</a:t>
             </a:r>
+            <a:endParaRPr lang="en-US"/>
           </a:p>
           <a:p>
             <a:pPr lvl="4"/>
@@ -4929,20 +4832,14 @@
       </p:sp>
       <p:sp>
         <p:nvSpPr>
-          <p:cNvPr id="7" name="Rounded Rectangle 3">
-            <a:extLst>
-              <a:ext uri="{FF2B5EF4-FFF2-40B4-BE49-F238E27FC236}">
-                <a16:creationId xmlns:a16="http://schemas.microsoft.com/office/drawing/2014/main" id="{C025D995-C14E-48F2-B25E-A14B76BACB94}"/>
-              </a:ext>
-            </a:extLst>
-          </p:cNvPr>
+          <p:cNvPr id="7" name="Rounded Rectangle 3"/>
           <p:cNvSpPr/>
           <p:nvPr userDrawn="1"/>
         </p:nvSpPr>
         <p:spPr>
           <a:xfrm>
-            <a:off x="-38100" y="-30761"/>
-            <a:ext cx="9220214" cy="5778529"/>
+            <a:off x="-50790" y="-36913"/>
+            <a:ext cx="12291199" cy="6934235"/>
           </a:xfrm>
           <a:prstGeom prst="roundRect">
             <a:avLst>
@@ -4982,40 +4879,35 @@
         </p:txBody>
       </p:sp>
     </p:spTree>
-    <p:extLst>
-      <p:ext uri="{BB962C8B-B14F-4D97-AF65-F5344CB8AC3E}">
-        <p14:creationId xmlns:p14="http://schemas.microsoft.com/office/powerpoint/2010/main" val="1021877213"/>
-      </p:ext>
-    </p:extLst>
   </p:cSld>
   <p:clrMap bg1="lt1" tx1="dk1" bg2="lt2" tx2="dk2" accent1="accent1" accent2="accent2" accent3="accent3" accent4="accent4" accent5="accent5" accent6="accent6" hlink="hlink" folHlink="folHlink"/>
   <p:sldLayoutIdLst>
-    <p:sldLayoutId id="2147483679" r:id="rId1"/>
-    <p:sldLayoutId id="2147483680" r:id="rId2"/>
-    <p:sldLayoutId id="2147483681" r:id="rId3"/>
-    <p:sldLayoutId id="2147483682" r:id="rId4"/>
-    <p:sldLayoutId id="2147483683" r:id="rId5"/>
-    <p:sldLayoutId id="2147483684" r:id="rId6"/>
-    <p:sldLayoutId id="2147483685" r:id="rId7"/>
-    <p:sldLayoutId id="2147483686" r:id="rId8"/>
-    <p:sldLayoutId id="2147483687" r:id="rId9"/>
-    <p:sldLayoutId id="2147483688" r:id="rId10"/>
-    <p:sldLayoutId id="2147483689" r:id="rId11"/>
-    <p:sldLayoutId id="2147483669" r:id="rId12"/>
-    <p:sldLayoutId id="2147483668" r:id="rId13"/>
-    <p:sldLayoutId id="2147483649" r:id="rId14"/>
-    <p:sldLayoutId id="2147483650" r:id="rId15"/>
-    <p:sldLayoutId id="2147483652" r:id="rId16"/>
-    <p:sldLayoutId id="2147483651" r:id="rId17"/>
-    <p:sldLayoutId id="2147483653" r:id="rId18"/>
-    <p:sldLayoutId id="2147483654" r:id="rId19"/>
-    <p:sldLayoutId id="2147483657" r:id="rId20"/>
-    <p:sldLayoutId id="2147483660" r:id="rId21"/>
-    <p:sldLayoutId id="2147483665" r:id="rId22"/>
+    <p:sldLayoutId id="2147483649" r:id="rId1"/>
+    <p:sldLayoutId id="2147483650" r:id="rId2"/>
+    <p:sldLayoutId id="2147483651" r:id="rId3"/>
+    <p:sldLayoutId id="2147483652" r:id="rId4"/>
+    <p:sldLayoutId id="2147483653" r:id="rId5"/>
+    <p:sldLayoutId id="2147483654" r:id="rId6"/>
+    <p:sldLayoutId id="2147483655" r:id="rId7"/>
+    <p:sldLayoutId id="2147483656" r:id="rId8"/>
+    <p:sldLayoutId id="2147483657" r:id="rId9"/>
+    <p:sldLayoutId id="2147483658" r:id="rId10"/>
+    <p:sldLayoutId id="2147483659" r:id="rId11"/>
+    <p:sldLayoutId id="2147483660" r:id="rId12"/>
+    <p:sldLayoutId id="2147483661" r:id="rId13"/>
+    <p:sldLayoutId id="2147483662" r:id="rId14"/>
+    <p:sldLayoutId id="2147483663" r:id="rId15"/>
+    <p:sldLayoutId id="2147483664" r:id="rId16"/>
+    <p:sldLayoutId id="2147483665" r:id="rId17"/>
+    <p:sldLayoutId id="2147483666" r:id="rId18"/>
+    <p:sldLayoutId id="2147483667" r:id="rId19"/>
+    <p:sldLayoutId id="2147483668" r:id="rId20"/>
+    <p:sldLayoutId id="2147483669" r:id="rId21"/>
+    <p:sldLayoutId id="2147483670" r:id="rId22"/>
   </p:sldLayoutIdLst>
   <p:txStyles>
     <p:titleStyle>
-      <a:lvl1pPr algn="l" defTabSz="685800" rtl="0" eaLnBrk="1" latinLnBrk="0" hangingPunct="1">
+      <a:lvl1pPr algn="l" defTabSz="822960" rtl="0" eaLnBrk="1" latinLnBrk="0" hangingPunct="1">
         <a:lnSpc>
           <a:spcPct val="90000"/>
         </a:lnSpc>
@@ -5023,7 +4915,7 @@
           <a:spcPct val="0"/>
         </a:spcBef>
         <a:buNone/>
-        <a:defRPr sz="3300" kern="1200">
+        <a:defRPr sz="3960" kern="1200">
           <a:solidFill>
             <a:schemeClr val="tx1"/>
           </a:solidFill>
@@ -5034,16 +4926,16 @@
       </a:lvl1pPr>
     </p:titleStyle>
     <p:bodyStyle>
-      <a:lvl1pPr marL="171450" indent="-171450" algn="l" defTabSz="685800" rtl="0" eaLnBrk="1" latinLnBrk="0" hangingPunct="1">
+      <a:lvl1pPr marL="205740" indent="-205740" algn="l" defTabSz="822960" rtl="0" eaLnBrk="1" latinLnBrk="0" hangingPunct="1">
         <a:lnSpc>
           <a:spcPct val="90000"/>
         </a:lnSpc>
         <a:spcBef>
-          <a:spcPts val="750"/>
+          <a:spcPts val="900"/>
         </a:spcBef>
-        <a:buFont typeface="Arial" panose="020B0604020202020204" pitchFamily="34" charset="0"/>
+        <a:buFont typeface="Arial" panose="02080604020202020204" pitchFamily="34" charset="0"/>
         <a:buChar char="•"/>
-        <a:defRPr sz="2100" kern="1200">
+        <a:defRPr sz="2520" kern="1200">
           <a:solidFill>
             <a:schemeClr val="tx1"/>
           </a:solidFill>
@@ -5052,14 +4944,32 @@
           <a:cs typeface="+mn-cs"/>
         </a:defRPr>
       </a:lvl1pPr>
-      <a:lvl2pPr marL="514350" indent="-171450" algn="l" defTabSz="685800" rtl="0" eaLnBrk="1" latinLnBrk="0" hangingPunct="1">
+      <a:lvl2pPr marL="617220" indent="-205740" algn="l" defTabSz="822960" rtl="0" eaLnBrk="1" latinLnBrk="0" hangingPunct="1">
         <a:lnSpc>
           <a:spcPct val="90000"/>
         </a:lnSpc>
         <a:spcBef>
-          <a:spcPts val="375"/>
+          <a:spcPts val="450"/>
         </a:spcBef>
-        <a:buFont typeface="Arial" panose="020B0604020202020204" pitchFamily="34" charset="0"/>
+        <a:buFont typeface="Arial" panose="02080604020202020204" pitchFamily="34" charset="0"/>
+        <a:buChar char="•"/>
+        <a:defRPr sz="2160" kern="1200">
+          <a:solidFill>
+            <a:schemeClr val="tx1"/>
+          </a:solidFill>
+          <a:latin typeface="+mn-lt"/>
+          <a:ea typeface="+mn-ea"/>
+          <a:cs typeface="+mn-cs"/>
+        </a:defRPr>
+      </a:lvl2pPr>
+      <a:lvl3pPr marL="1028700" indent="-205740" algn="l" defTabSz="822960" rtl="0" eaLnBrk="1" latinLnBrk="0" hangingPunct="1">
+        <a:lnSpc>
+          <a:spcPct val="90000"/>
+        </a:lnSpc>
+        <a:spcBef>
+          <a:spcPts val="450"/>
+        </a:spcBef>
+        <a:buFont typeface="Arial" panose="02080604020202020204" pitchFamily="34" charset="0"/>
         <a:buChar char="•"/>
         <a:defRPr sz="1800" kern="1200">
           <a:solidFill>
@@ -5069,35 +4979,17 @@
           <a:ea typeface="+mn-ea"/>
           <a:cs typeface="+mn-cs"/>
         </a:defRPr>
-      </a:lvl2pPr>
-      <a:lvl3pPr marL="857250" indent="-171450" algn="l" defTabSz="685800" rtl="0" eaLnBrk="1" latinLnBrk="0" hangingPunct="1">
+      </a:lvl3pPr>
+      <a:lvl4pPr marL="1440180" indent="-205740" algn="l" defTabSz="822960" rtl="0" eaLnBrk="1" latinLnBrk="0" hangingPunct="1">
         <a:lnSpc>
           <a:spcPct val="90000"/>
         </a:lnSpc>
         <a:spcBef>
-          <a:spcPts val="375"/>
+          <a:spcPts val="450"/>
         </a:spcBef>
-        <a:buFont typeface="Arial" panose="020B0604020202020204" pitchFamily="34" charset="0"/>
+        <a:buFont typeface="Arial" panose="02080604020202020204" pitchFamily="34" charset="0"/>
         <a:buChar char="•"/>
-        <a:defRPr sz="1500" kern="1200">
-          <a:solidFill>
-            <a:schemeClr val="tx1"/>
-          </a:solidFill>
-          <a:latin typeface="+mn-lt"/>
-          <a:ea typeface="+mn-ea"/>
-          <a:cs typeface="+mn-cs"/>
-        </a:defRPr>
-      </a:lvl3pPr>
-      <a:lvl4pPr marL="1200150" indent="-171450" algn="l" defTabSz="685800" rtl="0" eaLnBrk="1" latinLnBrk="0" hangingPunct="1">
-        <a:lnSpc>
-          <a:spcPct val="90000"/>
-        </a:lnSpc>
-        <a:spcBef>
-          <a:spcPts val="375"/>
-        </a:spcBef>
-        <a:buFont typeface="Arial" panose="020B0604020202020204" pitchFamily="34" charset="0"/>
-        <a:buChar char="•"/>
-        <a:defRPr sz="1350" kern="1200">
+        <a:defRPr sz="1620" kern="1200">
           <a:solidFill>
             <a:schemeClr val="tx1"/>
           </a:solidFill>
@@ -5106,16 +4998,16 @@
           <a:cs typeface="+mn-cs"/>
         </a:defRPr>
       </a:lvl4pPr>
-      <a:lvl5pPr marL="1543050" indent="-171450" algn="l" defTabSz="685800" rtl="0" eaLnBrk="1" latinLnBrk="0" hangingPunct="1">
+      <a:lvl5pPr marL="1851660" indent="-205740" algn="l" defTabSz="822960" rtl="0" eaLnBrk="1" latinLnBrk="0" hangingPunct="1">
         <a:lnSpc>
           <a:spcPct val="90000"/>
         </a:lnSpc>
         <a:spcBef>
-          <a:spcPts val="375"/>
+          <a:spcPts val="450"/>
         </a:spcBef>
-        <a:buFont typeface="Arial" panose="020B0604020202020204" pitchFamily="34" charset="0"/>
+        <a:buFont typeface="Arial" panose="02080604020202020204" pitchFamily="34" charset="0"/>
         <a:buChar char="•"/>
-        <a:defRPr sz="1350" kern="1200">
+        <a:defRPr sz="1620" kern="1200">
           <a:solidFill>
             <a:schemeClr val="tx1"/>
           </a:solidFill>
@@ -5124,16 +5016,16 @@
           <a:cs typeface="+mn-cs"/>
         </a:defRPr>
       </a:lvl5pPr>
-      <a:lvl6pPr marL="1885950" indent="-171450" algn="l" defTabSz="685800" rtl="0" eaLnBrk="1" latinLnBrk="0" hangingPunct="1">
+      <a:lvl6pPr marL="2263140" indent="-205740" algn="l" defTabSz="822960" rtl="0" eaLnBrk="1" latinLnBrk="0" hangingPunct="1">
         <a:lnSpc>
           <a:spcPct val="90000"/>
         </a:lnSpc>
         <a:spcBef>
-          <a:spcPts val="375"/>
+          <a:spcPts val="450"/>
         </a:spcBef>
-        <a:buFont typeface="Arial" panose="020B0604020202020204" pitchFamily="34" charset="0"/>
+        <a:buFont typeface="Arial" panose="02080604020202020204" pitchFamily="34" charset="0"/>
         <a:buChar char="•"/>
-        <a:defRPr sz="1350" kern="1200">
+        <a:defRPr sz="1620" kern="1200">
           <a:solidFill>
             <a:schemeClr val="tx1"/>
           </a:solidFill>
@@ -5142,16 +5034,16 @@
           <a:cs typeface="+mn-cs"/>
         </a:defRPr>
       </a:lvl6pPr>
-      <a:lvl7pPr marL="2228850" indent="-171450" algn="l" defTabSz="685800" rtl="0" eaLnBrk="1" latinLnBrk="0" hangingPunct="1">
+      <a:lvl7pPr marL="2674620" indent="-205740" algn="l" defTabSz="822960" rtl="0" eaLnBrk="1" latinLnBrk="0" hangingPunct="1">
         <a:lnSpc>
           <a:spcPct val="90000"/>
         </a:lnSpc>
         <a:spcBef>
-          <a:spcPts val="375"/>
+          <a:spcPts val="450"/>
         </a:spcBef>
-        <a:buFont typeface="Arial" panose="020B0604020202020204" pitchFamily="34" charset="0"/>
+        <a:buFont typeface="Arial" panose="02080604020202020204" pitchFamily="34" charset="0"/>
         <a:buChar char="•"/>
-        <a:defRPr sz="1350" kern="1200">
+        <a:defRPr sz="1620" kern="1200">
           <a:solidFill>
             <a:schemeClr val="tx1"/>
           </a:solidFill>
@@ -5160,16 +5052,16 @@
           <a:cs typeface="+mn-cs"/>
         </a:defRPr>
       </a:lvl7pPr>
-      <a:lvl8pPr marL="2571750" indent="-171450" algn="l" defTabSz="685800" rtl="0" eaLnBrk="1" latinLnBrk="0" hangingPunct="1">
+      <a:lvl8pPr marL="3086100" indent="-205740" algn="l" defTabSz="822960" rtl="0" eaLnBrk="1" latinLnBrk="0" hangingPunct="1">
         <a:lnSpc>
           <a:spcPct val="90000"/>
         </a:lnSpc>
         <a:spcBef>
-          <a:spcPts val="375"/>
+          <a:spcPts val="450"/>
         </a:spcBef>
-        <a:buFont typeface="Arial" panose="020B0604020202020204" pitchFamily="34" charset="0"/>
+        <a:buFont typeface="Arial" panose="02080604020202020204" pitchFamily="34" charset="0"/>
         <a:buChar char="•"/>
-        <a:defRPr sz="1350" kern="1200">
+        <a:defRPr sz="1620" kern="1200">
           <a:solidFill>
             <a:schemeClr val="tx1"/>
           </a:solidFill>
@@ -5178,16 +5070,16 @@
           <a:cs typeface="+mn-cs"/>
         </a:defRPr>
       </a:lvl8pPr>
-      <a:lvl9pPr marL="2914650" indent="-171450" algn="l" defTabSz="685800" rtl="0" eaLnBrk="1" latinLnBrk="0" hangingPunct="1">
+      <a:lvl9pPr marL="3497580" indent="-205740" algn="l" defTabSz="822960" rtl="0" eaLnBrk="1" latinLnBrk="0" hangingPunct="1">
         <a:lnSpc>
           <a:spcPct val="90000"/>
         </a:lnSpc>
         <a:spcBef>
-          <a:spcPts val="375"/>
+          <a:spcPts val="450"/>
         </a:spcBef>
-        <a:buFont typeface="Arial" panose="020B0604020202020204" pitchFamily="34" charset="0"/>
+        <a:buFont typeface="Arial" panose="02080604020202020204" pitchFamily="34" charset="0"/>
         <a:buChar char="•"/>
-        <a:defRPr sz="1350" kern="1200">
+        <a:defRPr sz="1620" kern="1200">
           <a:solidFill>
             <a:schemeClr val="tx1"/>
           </a:solidFill>
@@ -5201,8 +5093,8 @@
       <a:defPPr>
         <a:defRPr lang="en-US"/>
       </a:defPPr>
-      <a:lvl1pPr marL="0" algn="l" defTabSz="685800" rtl="0" eaLnBrk="1" latinLnBrk="0" hangingPunct="1">
-        <a:defRPr sz="1350" kern="1200">
+      <a:lvl1pPr marL="0" algn="l" defTabSz="822960" rtl="0" eaLnBrk="1" latinLnBrk="0" hangingPunct="1">
+        <a:defRPr sz="1620" kern="1200">
           <a:solidFill>
             <a:schemeClr val="tx1"/>
           </a:solidFill>
@@ -5211,8 +5103,8 @@
           <a:cs typeface="+mn-cs"/>
         </a:defRPr>
       </a:lvl1pPr>
-      <a:lvl2pPr marL="342900" algn="l" defTabSz="685800" rtl="0" eaLnBrk="1" latinLnBrk="0" hangingPunct="1">
-        <a:defRPr sz="1350" kern="1200">
+      <a:lvl2pPr marL="411480" algn="l" defTabSz="822960" rtl="0" eaLnBrk="1" latinLnBrk="0" hangingPunct="1">
+        <a:defRPr sz="1620" kern="1200">
           <a:solidFill>
             <a:schemeClr val="tx1"/>
           </a:solidFill>
@@ -5221,8 +5113,8 @@
           <a:cs typeface="+mn-cs"/>
         </a:defRPr>
       </a:lvl2pPr>
-      <a:lvl3pPr marL="685800" algn="l" defTabSz="685800" rtl="0" eaLnBrk="1" latinLnBrk="0" hangingPunct="1">
-        <a:defRPr sz="1350" kern="1200">
+      <a:lvl3pPr marL="822960" algn="l" defTabSz="822960" rtl="0" eaLnBrk="1" latinLnBrk="0" hangingPunct="1">
+        <a:defRPr sz="1620" kern="1200">
           <a:solidFill>
             <a:schemeClr val="tx1"/>
           </a:solidFill>
@@ -5231,8 +5123,8 @@
           <a:cs typeface="+mn-cs"/>
         </a:defRPr>
       </a:lvl3pPr>
-      <a:lvl4pPr marL="1028700" algn="l" defTabSz="685800" rtl="0" eaLnBrk="1" latinLnBrk="0" hangingPunct="1">
-        <a:defRPr sz="1350" kern="1200">
+      <a:lvl4pPr marL="1234440" algn="l" defTabSz="822960" rtl="0" eaLnBrk="1" latinLnBrk="0" hangingPunct="1">
+        <a:defRPr sz="1620" kern="1200">
           <a:solidFill>
             <a:schemeClr val="tx1"/>
           </a:solidFill>
@@ -5241,8 +5133,8 @@
           <a:cs typeface="+mn-cs"/>
         </a:defRPr>
       </a:lvl4pPr>
-      <a:lvl5pPr marL="1371600" algn="l" defTabSz="685800" rtl="0" eaLnBrk="1" latinLnBrk="0" hangingPunct="1">
-        <a:defRPr sz="1350" kern="1200">
+      <a:lvl5pPr marL="1645920" algn="l" defTabSz="822960" rtl="0" eaLnBrk="1" latinLnBrk="0" hangingPunct="1">
+        <a:defRPr sz="1620" kern="1200">
           <a:solidFill>
             <a:schemeClr val="tx1"/>
           </a:solidFill>
@@ -5251,8 +5143,8 @@
           <a:cs typeface="+mn-cs"/>
         </a:defRPr>
       </a:lvl5pPr>
-      <a:lvl6pPr marL="1714500" algn="l" defTabSz="685800" rtl="0" eaLnBrk="1" latinLnBrk="0" hangingPunct="1">
-        <a:defRPr sz="1350" kern="1200">
+      <a:lvl6pPr marL="2057400" algn="l" defTabSz="822960" rtl="0" eaLnBrk="1" latinLnBrk="0" hangingPunct="1">
+        <a:defRPr sz="1620" kern="1200">
           <a:solidFill>
             <a:schemeClr val="tx1"/>
           </a:solidFill>
@@ -5261,8 +5153,8 @@
           <a:cs typeface="+mn-cs"/>
         </a:defRPr>
       </a:lvl6pPr>
-      <a:lvl7pPr marL="2057400" algn="l" defTabSz="685800" rtl="0" eaLnBrk="1" latinLnBrk="0" hangingPunct="1">
-        <a:defRPr sz="1350" kern="1200">
+      <a:lvl7pPr marL="2468880" algn="l" defTabSz="822960" rtl="0" eaLnBrk="1" latinLnBrk="0" hangingPunct="1">
+        <a:defRPr sz="1620" kern="1200">
           <a:solidFill>
             <a:schemeClr val="tx1"/>
           </a:solidFill>
@@ -5271,8 +5163,8 @@
           <a:cs typeface="+mn-cs"/>
         </a:defRPr>
       </a:lvl7pPr>
-      <a:lvl8pPr marL="2400300" algn="l" defTabSz="685800" rtl="0" eaLnBrk="1" latinLnBrk="0" hangingPunct="1">
-        <a:defRPr sz="1350" kern="1200">
+      <a:lvl8pPr marL="2880360" algn="l" defTabSz="822960" rtl="0" eaLnBrk="1" latinLnBrk="0" hangingPunct="1">
+        <a:defRPr sz="1620" kern="1200">
           <a:solidFill>
             <a:schemeClr val="tx1"/>
           </a:solidFill>
@@ -5281,8 +5173,8 @@
           <a:cs typeface="+mn-cs"/>
         </a:defRPr>
       </a:lvl8pPr>
-      <a:lvl9pPr marL="2743200" algn="l" defTabSz="685800" rtl="0" eaLnBrk="1" latinLnBrk="0" hangingPunct="1">
-        <a:defRPr sz="1350" kern="1200">
+      <a:lvl9pPr marL="3291840" algn="l" defTabSz="822960" rtl="0" eaLnBrk="1" latinLnBrk="0" hangingPunct="1">
+        <a:defRPr sz="1620" kern="1200">
           <a:solidFill>
             <a:schemeClr val="tx1"/>
           </a:solidFill>
@@ -5315,13 +5207,7 @@
       </p:grpSpPr>
       <p:sp>
         <p:nvSpPr>
-          <p:cNvPr id="2" name="Title 1">
-            <a:extLst>
-              <a:ext uri="{FF2B5EF4-FFF2-40B4-BE49-F238E27FC236}">
-                <a16:creationId xmlns:a16="http://schemas.microsoft.com/office/drawing/2014/main" id="{61B5AD3F-3F9B-4B32-9322-A5240A8A6A35}"/>
-              </a:ext>
-            </a:extLst>
-          </p:cNvPr>
+          <p:cNvPr id="2" name="Title 1"/>
           <p:cNvSpPr>
             <a:spLocks noGrp="1"/>
           </p:cNvSpPr>
@@ -5340,13 +5226,7 @@
       </p:sp>
       <p:sp>
         <p:nvSpPr>
-          <p:cNvPr id="3" name="Subtitle 2">
-            <a:extLst>
-              <a:ext uri="{FF2B5EF4-FFF2-40B4-BE49-F238E27FC236}">
-                <a16:creationId xmlns:a16="http://schemas.microsoft.com/office/drawing/2014/main" id="{A83216A0-652D-4EA0-8E57-B676C21D22D3}"/>
-              </a:ext>
-            </a:extLst>
-          </p:cNvPr>
+          <p:cNvPr id="3" name="Subtitle 2"/>
           <p:cNvSpPr>
             <a:spLocks noGrp="1"/>
           </p:cNvSpPr>
@@ -5364,11 +5244,6 @@
         </p:txBody>
       </p:sp>
     </p:spTree>
-    <p:extLst>
-      <p:ext uri="{BB962C8B-B14F-4D97-AF65-F5344CB8AC3E}">
-        <p14:creationId xmlns:p14="http://schemas.microsoft.com/office/powerpoint/2010/main" val="2213736862"/>
-      </p:ext>
-    </p:extLst>
   </p:cSld>
   <p:clrMapOvr>
     <a:masterClrMapping/>
@@ -5419,7 +5294,7 @@
     </a:clrScheme>
     <a:fontScheme name="Office Theme">
       <a:majorFont>
-        <a:latin typeface="Calibri Light" panose="020F0302020204030204"/>
+        <a:latin typeface="Calibri Light"/>
         <a:ea typeface=""/>
         <a:cs typeface=""/>
         <a:font script="Jpan" typeface="游ゴシック Light"/>
@@ -5454,7 +5329,7 @@
         <a:font script="Geor" typeface="Sylfaen"/>
       </a:majorFont>
       <a:minorFont>
-        <a:latin typeface="Calibri" panose="020F0502020204030204"/>
+        <a:latin typeface="Calibri"/>
         <a:ea typeface=""/>
         <a:cs typeface=""/>
         <a:font script="Jpan" typeface="游ゴシック"/>
@@ -5627,8 +5502,6 @@
       </a:bgFillStyleLst>
     </a:fmtScheme>
   </a:themeElements>
-  <a:objectDefaults/>
-  <a:extraClrSchemeLst/>
   <a:extLst>
     <a:ext uri="{05A4C25C-085E-4340-85A3-A5531E510DB2}">
       <thm15:themeFamily xmlns:thm15="http://schemas.microsoft.com/office/thememl/2012/main" name="Office Theme" id="{62F939B6-93AF-4DB8-9C6B-D6C7DFDC589F}" vid="{4A3C46E8-61CC-4603-A589-7422A47A8E4A}"/>
@@ -5917,8 +5790,6 @@
       </a:bgFillStyleLst>
     </a:fmtScheme>
   </a:themeElements>
-  <a:objectDefaults/>
-  <a:extraClrSchemeLst/>
   <a:extLst>
     <a:ext uri="{05A4C25C-085E-4340-85A3-A5531E510DB2}">
       <thm15:themeFamily xmlns:thm15="http://schemas.microsoft.com/office/thememl/2012/main" name="Office Theme" id="{62F939B6-93AF-4DB8-9C6B-D6C7DFDC589F}" vid="{4A3C46E8-61CC-4603-A589-7422A47A8E4A}"/>
@@ -6207,8 +6078,6 @@
       </a:bgFillStyleLst>
     </a:fmtScheme>
   </a:themeElements>
-  <a:objectDefaults/>
-  <a:extraClrSchemeLst/>
   <a:extLst>
     <a:ext uri="{05A4C25C-085E-4340-85A3-A5531E510DB2}">
       <thm15:themeFamily xmlns:thm15="http://schemas.microsoft.com/office/thememl/2012/main" name="Office Theme" id="{62F939B6-93AF-4DB8-9C6B-D6C7DFDC589F}" vid="{4A3C46E8-61CC-4603-A589-7422A47A8E4A}"/>
